--- a/2020/5月/28-5-2020.pptx
+++ b/2020/5月/28-5-2020.pptx
@@ -10,13 +10,14 @@
     <p:sldId id="261" r:id="rId4"/>
     <p:sldId id="262" r:id="rId5"/>
     <p:sldId id="263" r:id="rId6"/>
-    <p:sldId id="258" r:id="rId7"/>
-    <p:sldId id="264" r:id="rId8"/>
-    <p:sldId id="259" r:id="rId9"/>
-    <p:sldId id="265" r:id="rId10"/>
-    <p:sldId id="266" r:id="rId11"/>
-    <p:sldId id="267" r:id="rId12"/>
-    <p:sldId id="268" r:id="rId13"/>
+    <p:sldId id="269" r:id="rId7"/>
+    <p:sldId id="258" r:id="rId8"/>
+    <p:sldId id="264" r:id="rId9"/>
+    <p:sldId id="259" r:id="rId10"/>
+    <p:sldId id="265" r:id="rId11"/>
+    <p:sldId id="266" r:id="rId12"/>
+    <p:sldId id="267" r:id="rId13"/>
+    <p:sldId id="268" r:id="rId14"/>
   </p:sldIdLst>
   <p:sldSz cx="9144000" cy="5143500" type="screen16x9"/>
   <p:notesSz cx="6858000" cy="9144000"/>
@@ -300,7 +301,7 @@
             <a:fld id="{95AB9C0F-3E49-40C5-AA70-3D537DB63101}" type="datetimeFigureOut">
               <a:rPr lang="zh-TW" altLang="en-US" smtClean="0"/>
               <a:pPr/>
-              <a:t>2020/5/19</a:t>
+              <a:t>2020/5/28</a:t>
             </a:fld>
             <a:endParaRPr lang="zh-TW" altLang="en-US"/>
           </a:p>
@@ -467,7 +468,7 @@
             <a:fld id="{95AB9C0F-3E49-40C5-AA70-3D537DB63101}" type="datetimeFigureOut">
               <a:rPr lang="zh-TW" altLang="en-US" smtClean="0"/>
               <a:pPr/>
-              <a:t>2020/5/19</a:t>
+              <a:t>2020/5/28</a:t>
             </a:fld>
             <a:endParaRPr lang="zh-TW" altLang="en-US"/>
           </a:p>
@@ -644,7 +645,7 @@
             <a:fld id="{95AB9C0F-3E49-40C5-AA70-3D537DB63101}" type="datetimeFigureOut">
               <a:rPr lang="zh-TW" altLang="en-US" smtClean="0"/>
               <a:pPr/>
-              <a:t>2020/5/19</a:t>
+              <a:t>2020/5/28</a:t>
             </a:fld>
             <a:endParaRPr lang="zh-TW" altLang="en-US"/>
           </a:p>
@@ -811,7 +812,7 @@
             <a:fld id="{95AB9C0F-3E49-40C5-AA70-3D537DB63101}" type="datetimeFigureOut">
               <a:rPr lang="zh-TW" altLang="en-US" smtClean="0"/>
               <a:pPr/>
-              <a:t>2020/5/19</a:t>
+              <a:t>2020/5/28</a:t>
             </a:fld>
             <a:endParaRPr lang="zh-TW" altLang="en-US"/>
           </a:p>
@@ -1054,7 +1055,7 @@
             <a:fld id="{95AB9C0F-3E49-40C5-AA70-3D537DB63101}" type="datetimeFigureOut">
               <a:rPr lang="zh-TW" altLang="en-US" smtClean="0"/>
               <a:pPr/>
-              <a:t>2020/5/19</a:t>
+              <a:t>2020/5/28</a:t>
             </a:fld>
             <a:endParaRPr lang="zh-TW" altLang="en-US"/>
           </a:p>
@@ -1339,7 +1340,7 @@
             <a:fld id="{95AB9C0F-3E49-40C5-AA70-3D537DB63101}" type="datetimeFigureOut">
               <a:rPr lang="zh-TW" altLang="en-US" smtClean="0"/>
               <a:pPr/>
-              <a:t>2020/5/19</a:t>
+              <a:t>2020/5/28</a:t>
             </a:fld>
             <a:endParaRPr lang="zh-TW" altLang="en-US"/>
           </a:p>
@@ -1758,7 +1759,7 @@
             <a:fld id="{95AB9C0F-3E49-40C5-AA70-3D537DB63101}" type="datetimeFigureOut">
               <a:rPr lang="zh-TW" altLang="en-US" smtClean="0"/>
               <a:pPr/>
-              <a:t>2020/5/19</a:t>
+              <a:t>2020/5/28</a:t>
             </a:fld>
             <a:endParaRPr lang="zh-TW" altLang="en-US"/>
           </a:p>
@@ -1873,7 +1874,7 @@
             <a:fld id="{95AB9C0F-3E49-40C5-AA70-3D537DB63101}" type="datetimeFigureOut">
               <a:rPr lang="zh-TW" altLang="en-US" smtClean="0"/>
               <a:pPr/>
-              <a:t>2020/5/19</a:t>
+              <a:t>2020/5/28</a:t>
             </a:fld>
             <a:endParaRPr lang="zh-TW" altLang="en-US"/>
           </a:p>
@@ -1965,7 +1966,7 @@
             <a:fld id="{95AB9C0F-3E49-40C5-AA70-3D537DB63101}" type="datetimeFigureOut">
               <a:rPr lang="zh-TW" altLang="en-US" smtClean="0"/>
               <a:pPr/>
-              <a:t>2020/5/19</a:t>
+              <a:t>2020/5/28</a:t>
             </a:fld>
             <a:endParaRPr lang="zh-TW" altLang="en-US"/>
           </a:p>
@@ -2239,7 +2240,7 @@
             <a:fld id="{95AB9C0F-3E49-40C5-AA70-3D537DB63101}" type="datetimeFigureOut">
               <a:rPr lang="zh-TW" altLang="en-US" smtClean="0"/>
               <a:pPr/>
-              <a:t>2020/5/19</a:t>
+              <a:t>2020/5/28</a:t>
             </a:fld>
             <a:endParaRPr lang="zh-TW" altLang="en-US"/>
           </a:p>
@@ -2493,7 +2494,7 @@
             <a:fld id="{95AB9C0F-3E49-40C5-AA70-3D537DB63101}" type="datetimeFigureOut">
               <a:rPr lang="zh-TW" altLang="en-US" smtClean="0"/>
               <a:pPr/>
-              <a:t>2020/5/19</a:t>
+              <a:t>2020/5/28</a:t>
             </a:fld>
             <a:endParaRPr lang="zh-TW" altLang="en-US"/>
           </a:p>
@@ -2708,7 +2709,7 @@
             <a:fld id="{95AB9C0F-3E49-40C5-AA70-3D537DB63101}" type="datetimeFigureOut">
               <a:rPr lang="zh-TW" altLang="en-US" smtClean="0"/>
               <a:pPr/>
-              <a:t>2020/5/19</a:t>
+              <a:t>2020/5/28</a:t>
             </a:fld>
             <a:endParaRPr lang="zh-TW" altLang="en-US"/>
           </a:p>
@@ -3098,6 +3099,9 @@
           <a:p>
             <a:r>
               <a:rPr lang="zh-TW" altLang="en-US" sz="4000" b="1" dirty="0">
+                <a:solidFill>
+                  <a:srgbClr val="660033"/>
+                </a:solidFill>
                 <a:latin typeface="Microsoft JhengHei" pitchFamily="34" charset="-120"/>
                 <a:ea typeface="Microsoft JhengHei" pitchFamily="34" charset="-120"/>
               </a:rPr>
@@ -3133,6 +3137,9 @@
             </a:pPr>
             <a:r>
               <a:rPr lang="zh-TW" altLang="en-US" sz="4400" b="1" dirty="0">
+                <a:solidFill>
+                  <a:srgbClr val="660033"/>
+                </a:solidFill>
                 <a:latin typeface="Microsoft JhengHei" pitchFamily="34" charset="-120"/>
                 <a:ea typeface="Microsoft JhengHei" pitchFamily="34" charset="-120"/>
               </a:rPr>
@@ -3140,6 +3147,9 @@
             </a:r>
             <a:r>
               <a:rPr lang="zh-TW" altLang="en-US" sz="4400" b="1" dirty="0" smtClean="0">
+                <a:solidFill>
+                  <a:srgbClr val="660033"/>
+                </a:solidFill>
                 <a:latin typeface="Microsoft JhengHei" pitchFamily="34" charset="-120"/>
                 <a:ea typeface="Microsoft JhengHei" pitchFamily="34" charset="-120"/>
               </a:rPr>
@@ -3147,6 +3157,9 @@
             </a:r>
             <a:r>
               <a:rPr lang="zh-CN" altLang="en-US" sz="4400" b="1" dirty="0" smtClean="0">
+                <a:solidFill>
+                  <a:srgbClr val="660033"/>
+                </a:solidFill>
                 <a:latin typeface="Microsoft JhengHei" pitchFamily="34" charset="-120"/>
                 <a:ea typeface="Microsoft JhengHei" pitchFamily="34" charset="-120"/>
               </a:rPr>
@@ -3154,6 +3167,9 @@
             </a:r>
             <a:r>
               <a:rPr lang="zh-TW" altLang="en-US" sz="4400" b="1" dirty="0" smtClean="0">
+                <a:solidFill>
+                  <a:srgbClr val="660033"/>
+                </a:solidFill>
                 <a:latin typeface="Microsoft JhengHei" pitchFamily="34" charset="-120"/>
                 <a:ea typeface="Microsoft JhengHei" pitchFamily="34" charset="-120"/>
               </a:rPr>
@@ -3161,6 +3177,9 @@
             </a:r>
             <a:r>
               <a:rPr lang="zh-TW" altLang="en-US" sz="4400" b="1" dirty="0">
+                <a:solidFill>
+                  <a:srgbClr val="660033"/>
+                </a:solidFill>
                 <a:latin typeface="Microsoft JhengHei" pitchFamily="34" charset="-120"/>
                 <a:ea typeface="Microsoft JhengHei" pitchFamily="34" charset="-120"/>
               </a:rPr>
@@ -3168,12 +3187,18 @@
             </a:r>
             <a:r>
               <a:rPr lang="zh-TW" altLang="en-US" sz="4400" b="1" dirty="0" smtClean="0">
+                <a:solidFill>
+                  <a:srgbClr val="660033"/>
+                </a:solidFill>
                 <a:latin typeface="Microsoft JhengHei" pitchFamily="34" charset="-120"/>
                 <a:ea typeface="Microsoft JhengHei" pitchFamily="34" charset="-120"/>
               </a:rPr>
               <a:t>福分</a:t>
             </a:r>
             <a:endParaRPr lang="en-US" altLang="zh-TW" sz="4400" b="1" dirty="0" smtClean="0">
+              <a:solidFill>
+                <a:srgbClr val="660033"/>
+              </a:solidFill>
               <a:latin typeface="Microsoft JhengHei" pitchFamily="34" charset="-120"/>
               <a:ea typeface="Microsoft JhengHei" pitchFamily="34" charset="-120"/>
             </a:endParaRPr>
@@ -3184,6 +3209,9 @@
             </a:pPr>
             <a:r>
               <a:rPr lang="zh-TW" altLang="en-US" sz="4400" b="1" dirty="0" smtClean="0">
+                <a:solidFill>
+                  <a:srgbClr val="660033"/>
+                </a:solidFill>
                 <a:latin typeface="Microsoft JhengHei" pitchFamily="34" charset="-120"/>
                 <a:ea typeface="Microsoft JhengHei" pitchFamily="34" charset="-120"/>
               </a:rPr>
@@ -3191,6 +3219,9 @@
             </a:r>
             <a:r>
               <a:rPr lang="zh-TW" altLang="en-US" sz="4400" b="1" dirty="0">
+                <a:solidFill>
+                  <a:srgbClr val="660033"/>
+                </a:solidFill>
                 <a:latin typeface="Microsoft JhengHei" pitchFamily="34" charset="-120"/>
                 <a:ea typeface="Microsoft JhengHei" pitchFamily="34" charset="-120"/>
               </a:rPr>
@@ -3198,6 +3229,9 @@
             </a:r>
             <a:r>
               <a:rPr lang="zh-TW" altLang="en-US" sz="4400" b="1" dirty="0" smtClean="0">
+                <a:solidFill>
+                  <a:srgbClr val="660033"/>
+                </a:solidFill>
                 <a:latin typeface="Microsoft JhengHei" pitchFamily="34" charset="-120"/>
                 <a:ea typeface="Microsoft JhengHei" pitchFamily="34" charset="-120"/>
               </a:rPr>
@@ -3205,6 +3239,9 @@
             </a:r>
             <a:r>
               <a:rPr lang="zh-CN" altLang="en-US" sz="4400" b="1" dirty="0" smtClean="0">
+                <a:solidFill>
+                  <a:srgbClr val="660033"/>
+                </a:solidFill>
                 <a:latin typeface="Microsoft JhengHei" pitchFamily="34" charset="-120"/>
                 <a:ea typeface="Microsoft JhengHei" pitchFamily="34" charset="-120"/>
               </a:rPr>
@@ -3212,6 +3249,9 @@
             </a:r>
             <a:r>
               <a:rPr lang="zh-TW" altLang="en-US" sz="4400" b="1" dirty="0" smtClean="0">
+                <a:solidFill>
+                  <a:srgbClr val="660033"/>
+                </a:solidFill>
                 <a:latin typeface="Microsoft JhengHei" pitchFamily="34" charset="-120"/>
                 <a:ea typeface="Microsoft JhengHei" pitchFamily="34" charset="-120"/>
               </a:rPr>
@@ -3219,6 +3259,9 @@
             </a:r>
             <a:r>
               <a:rPr lang="zh-TW" altLang="en-US" sz="4400" b="1" dirty="0">
+                <a:solidFill>
+                  <a:srgbClr val="660033"/>
+                </a:solidFill>
                 <a:latin typeface="Microsoft JhengHei" pitchFamily="34" charset="-120"/>
                 <a:ea typeface="Microsoft JhengHei" pitchFamily="34" charset="-120"/>
               </a:rPr>
@@ -3226,12 +3269,18 @@
             </a:r>
             <a:r>
               <a:rPr lang="zh-TW" altLang="en-US" sz="4400" b="1" dirty="0" smtClean="0">
+                <a:solidFill>
+                  <a:srgbClr val="660033"/>
+                </a:solidFill>
                 <a:latin typeface="Microsoft JhengHei" pitchFamily="34" charset="-120"/>
                 <a:ea typeface="Microsoft JhengHei" pitchFamily="34" charset="-120"/>
               </a:rPr>
               <a:t>拜</a:t>
             </a:r>
             <a:endParaRPr lang="en-US" altLang="zh-TW" sz="4400" b="1" dirty="0" smtClean="0">
+              <a:solidFill>
+                <a:srgbClr val="660033"/>
+              </a:solidFill>
               <a:latin typeface="Microsoft JhengHei" pitchFamily="34" charset="-120"/>
               <a:ea typeface="Microsoft JhengHei" pitchFamily="34" charset="-120"/>
             </a:endParaRPr>
@@ -3242,20 +3291,19 @@
             </a:pPr>
             <a:r>
               <a:rPr lang="zh-TW" altLang="en-US" sz="4400" b="1" dirty="0" smtClean="0">
-                <a:latin typeface="Microsoft JhengHei" pitchFamily="34" charset="-120"/>
-                <a:ea typeface="Microsoft JhengHei" pitchFamily="34" charset="-120"/>
-              </a:rPr>
-              <a:t>定睛</a:t>
-            </a:r>
-            <a:r>
-              <a:rPr lang="zh-TW" altLang="en-US" sz="4400" b="1" dirty="0" smtClean="0">
-                <a:latin typeface="Microsoft JhengHei" pitchFamily="34" charset="-120"/>
-                <a:ea typeface="Microsoft JhengHei" pitchFamily="34" charset="-120"/>
-              </a:rPr>
-              <a:t>在</a:t>
+                <a:solidFill>
+                  <a:srgbClr val="660033"/>
+                </a:solidFill>
+                <a:latin typeface="Microsoft JhengHei" pitchFamily="34" charset="-120"/>
+                <a:ea typeface="Microsoft JhengHei" pitchFamily="34" charset="-120"/>
+              </a:rPr>
+              <a:t>定睛在</a:t>
             </a:r>
             <a:r>
               <a:rPr lang="zh-CN" altLang="en-US" sz="4400" b="1" dirty="0" smtClean="0">
+                <a:solidFill>
+                  <a:srgbClr val="660033"/>
+                </a:solidFill>
                 <a:latin typeface="Microsoft JhengHei" pitchFamily="34" charset="-120"/>
                 <a:ea typeface="Microsoft JhengHei" pitchFamily="34" charset="-120"/>
               </a:rPr>
@@ -3263,6 +3311,9 @@
             </a:r>
             <a:r>
               <a:rPr lang="zh-TW" altLang="en-US" sz="4400" b="1" dirty="0" smtClean="0">
+                <a:solidFill>
+                  <a:srgbClr val="660033"/>
+                </a:solidFill>
                 <a:latin typeface="Microsoft JhengHei" pitchFamily="34" charset="-120"/>
                 <a:ea typeface="Microsoft JhengHei" pitchFamily="34" charset="-120"/>
               </a:rPr>
@@ -3270,6 +3321,9 @@
             </a:r>
             <a:r>
               <a:rPr lang="zh-TW" altLang="en-US" sz="4400" b="1" dirty="0">
+                <a:solidFill>
+                  <a:srgbClr val="660033"/>
+                </a:solidFill>
                 <a:latin typeface="Microsoft JhengHei" pitchFamily="34" charset="-120"/>
                 <a:ea typeface="Microsoft JhengHei" pitchFamily="34" charset="-120"/>
               </a:rPr>
@@ -3277,6 +3331,9 @@
             </a:r>
             <a:r>
               <a:rPr lang="zh-TW" altLang="en-US" sz="4400" b="1" dirty="0" smtClean="0">
+                <a:solidFill>
+                  <a:srgbClr val="660033"/>
+                </a:solidFill>
                 <a:latin typeface="Microsoft JhengHei" pitchFamily="34" charset="-120"/>
                 <a:ea typeface="Microsoft JhengHei" pitchFamily="34" charset="-120"/>
               </a:rPr>
@@ -3284,6 +3341,9 @@
             </a:r>
             <a:r>
               <a:rPr lang="zh-TW" altLang="en-US" sz="4400" b="1" dirty="0">
+                <a:solidFill>
+                  <a:srgbClr val="660033"/>
+                </a:solidFill>
                 <a:latin typeface="Microsoft JhengHei" pitchFamily="34" charset="-120"/>
                 <a:ea typeface="Microsoft JhengHei" pitchFamily="34" charset="-120"/>
               </a:rPr>
@@ -3291,12 +3351,18 @@
             </a:r>
             <a:r>
               <a:rPr lang="zh-TW" altLang="en-US" sz="4400" b="1" dirty="0" smtClean="0">
+                <a:solidFill>
+                  <a:srgbClr val="660033"/>
+                </a:solidFill>
                 <a:latin typeface="Microsoft JhengHei" pitchFamily="34" charset="-120"/>
                 <a:ea typeface="Microsoft JhengHei" pitchFamily="34" charset="-120"/>
               </a:rPr>
               <a:t>暗淡</a:t>
             </a:r>
             <a:endParaRPr lang="en-US" altLang="zh-TW" sz="4400" b="1" dirty="0" smtClean="0">
+              <a:solidFill>
+                <a:srgbClr val="660033"/>
+              </a:solidFill>
               <a:latin typeface="Microsoft JhengHei" pitchFamily="34" charset="-120"/>
               <a:ea typeface="Microsoft JhengHei" pitchFamily="34" charset="-120"/>
             </a:endParaRPr>
@@ -3307,6 +3373,9 @@
             </a:pPr>
             <a:r>
               <a:rPr lang="zh-TW" altLang="en-US" sz="4400" b="1" dirty="0" smtClean="0">
+                <a:solidFill>
+                  <a:srgbClr val="660033"/>
+                </a:solidFill>
                 <a:latin typeface="Microsoft JhengHei" pitchFamily="34" charset="-120"/>
                 <a:ea typeface="Microsoft JhengHei" pitchFamily="34" charset="-120"/>
               </a:rPr>
@@ -3314,6 +3383,9 @@
             </a:r>
             <a:r>
               <a:rPr lang="zh-TW" altLang="en-US" sz="4400" b="1" dirty="0">
+                <a:solidFill>
+                  <a:srgbClr val="660033"/>
+                </a:solidFill>
                 <a:latin typeface="Microsoft JhengHei" pitchFamily="34" charset="-120"/>
                 <a:ea typeface="Microsoft JhengHei" pitchFamily="34" charset="-120"/>
               </a:rPr>
@@ -3321,6 +3393,9 @@
             </a:r>
             <a:r>
               <a:rPr lang="zh-TW" altLang="en-US" sz="4400" b="1" dirty="0" smtClean="0">
+                <a:solidFill>
+                  <a:srgbClr val="660033"/>
+                </a:solidFill>
                 <a:latin typeface="Microsoft JhengHei" pitchFamily="34" charset="-120"/>
                 <a:ea typeface="Microsoft JhengHei" pitchFamily="34" charset="-120"/>
               </a:rPr>
@@ -3328,6 +3403,9 @@
             </a:r>
             <a:r>
               <a:rPr lang="zh-TW" altLang="en-US" sz="4400" b="1" dirty="0">
+                <a:solidFill>
+                  <a:srgbClr val="660033"/>
+                </a:solidFill>
                 <a:latin typeface="Microsoft JhengHei" pitchFamily="34" charset="-120"/>
                 <a:ea typeface="Microsoft JhengHei" pitchFamily="34" charset="-120"/>
               </a:rPr>
@@ -3453,7 +3531,39 @@
                 <a:latin typeface="微軟正黑體" pitchFamily="34" charset="-120"/>
                 <a:ea typeface="微軟正黑體" pitchFamily="34" charset="-120"/>
               </a:rPr>
-              <a:t>一生</a:t>
+              <a:t>親愛的寶貴</a:t>
+            </a:r>
+            <a:r>
+              <a:rPr lang="zh-TW" altLang="en-US" sz="4400" b="1" dirty="0" smtClean="0">
+                <a:solidFill>
+                  <a:srgbClr val="002060"/>
+                </a:solidFill>
+                <a:latin typeface="微軟正黑體" pitchFamily="34" charset="-120"/>
+                <a:ea typeface="微軟正黑體" pitchFamily="34" charset="-120"/>
+              </a:rPr>
+              <a:t>耶穌</a:t>
+            </a:r>
+            <a:endParaRPr lang="en-US" altLang="zh-TW" sz="4400" b="1" dirty="0" smtClean="0">
+              <a:solidFill>
+                <a:srgbClr val="002060"/>
+              </a:solidFill>
+              <a:latin typeface="微軟正黑體" pitchFamily="34" charset="-120"/>
+              <a:ea typeface="微軟正黑體" pitchFamily="34" charset="-120"/>
+            </a:endParaRPr>
+          </a:p>
+          <a:p>
+            <a:pPr algn="ctr">
+              <a:buNone/>
+            </a:pPr>
+            <a:r>
+              <a:rPr lang="zh-CN" altLang="en-US" sz="4400" b="1" dirty="0" smtClean="0">
+                <a:solidFill>
+                  <a:srgbClr val="002060"/>
+                </a:solidFill>
+                <a:latin typeface="微軟正黑體" pitchFamily="34" charset="-120"/>
+                <a:ea typeface="微軟正黑體" pitchFamily="34" charset="-120"/>
+              </a:rPr>
+              <a:t>袮</a:t>
             </a:r>
             <a:r>
               <a:rPr lang="zh-TW" altLang="en-US" sz="4400" b="1" dirty="0" smtClean="0">
@@ -3466,26 +3576,6 @@
               <a:t>愛</a:t>
             </a:r>
             <a:r>
-              <a:rPr lang="zh-CN" altLang="en-US" sz="4400" b="1" dirty="0" smtClean="0">
-                <a:solidFill>
-                  <a:srgbClr val="002060"/>
-                </a:solidFill>
-                <a:latin typeface="微軟正黑體" pitchFamily="34" charset="-120"/>
-                <a:ea typeface="微軟正黑體" pitchFamily="34" charset="-120"/>
-              </a:rPr>
-              <a:t>袮  </a:t>
-            </a:r>
-            <a:r>
-              <a:rPr lang="zh-TW" altLang="en-US" sz="4400" b="1" dirty="0" smtClean="0">
-                <a:solidFill>
-                  <a:srgbClr val="002060"/>
-                </a:solidFill>
-                <a:latin typeface="微軟正黑體" pitchFamily="34" charset="-120"/>
-                <a:ea typeface="微軟正黑體" pitchFamily="34" charset="-120"/>
-              </a:rPr>
-              <a:t>一生</a:t>
-            </a:r>
-            <a:r>
               <a:rPr lang="zh-TW" altLang="en-US" sz="4400" b="1" dirty="0">
                 <a:solidFill>
                   <a:srgbClr val="002060"/>
@@ -3493,27 +3583,17 @@
                 <a:latin typeface="微軟正黑體" pitchFamily="34" charset="-120"/>
                 <a:ea typeface="微軟正黑體" pitchFamily="34" charset="-120"/>
               </a:rPr>
-              <a:t>敬</a:t>
-            </a:r>
-            <a:r>
-              <a:rPr lang="zh-TW" altLang="en-US" sz="4400" b="1" dirty="0" smtClean="0">
-                <a:solidFill>
-                  <a:srgbClr val="002060"/>
-                </a:solidFill>
-                <a:latin typeface="微軟正黑體" pitchFamily="34" charset="-120"/>
-                <a:ea typeface="微軟正黑體" pitchFamily="34" charset="-120"/>
-              </a:rPr>
-              <a:t>拜</a:t>
-            </a:r>
-            <a:r>
-              <a:rPr lang="zh-CN" altLang="en-US" sz="4400" b="1" dirty="0" smtClean="0">
-                <a:solidFill>
-                  <a:srgbClr val="002060"/>
-                </a:solidFill>
-                <a:latin typeface="微軟正黑體" pitchFamily="34" charset="-120"/>
-                <a:ea typeface="微軟正黑體" pitchFamily="34" charset="-120"/>
-              </a:rPr>
-              <a:t>袮</a:t>
+              <a:t>何等地</a:t>
+            </a:r>
+            <a:r>
+              <a:rPr lang="zh-TW" altLang="en-US" sz="4400" b="1" dirty="0" smtClean="0">
+                <a:solidFill>
+                  <a:srgbClr val="002060"/>
+                </a:solidFill>
+                <a:latin typeface="微軟正黑體" pitchFamily="34" charset="-120"/>
+                <a:ea typeface="微軟正黑體" pitchFamily="34" charset="-120"/>
+              </a:rPr>
+              <a:t>甘甜</a:t>
             </a:r>
             <a:endParaRPr lang="en-US" altLang="zh-TW" sz="4400" b="1" dirty="0">
               <a:solidFill>
@@ -3528,6 +3608,16 @@
               <a:buNone/>
             </a:pPr>
             <a:r>
+              <a:rPr lang="zh-TW" altLang="en-US" sz="4400" b="1" dirty="0" smtClean="0">
+                <a:solidFill>
+                  <a:srgbClr val="002060"/>
+                </a:solidFill>
+                <a:latin typeface="微軟正黑體" pitchFamily="34" charset="-120"/>
+                <a:ea typeface="微軟正黑體" pitchFamily="34" charset="-120"/>
+              </a:rPr>
+              <a:t>我</a:t>
+            </a:r>
+            <a:r>
               <a:rPr lang="zh-TW" altLang="en-US" sz="4400" b="1" dirty="0">
                 <a:solidFill>
                   <a:srgbClr val="002060"/>
@@ -3535,17 +3625,17 @@
                 <a:latin typeface="微軟正黑體" pitchFamily="34" charset="-120"/>
                 <a:ea typeface="微軟正黑體" pitchFamily="34" charset="-120"/>
               </a:rPr>
-              <a:t>一生</a:t>
-            </a:r>
-            <a:r>
-              <a:rPr lang="zh-TW" altLang="en-US" sz="4400" b="1" dirty="0" smtClean="0">
-                <a:solidFill>
-                  <a:srgbClr val="002060"/>
-                </a:solidFill>
-                <a:latin typeface="微軟正黑體" pitchFamily="34" charset="-120"/>
-                <a:ea typeface="微軟正黑體" pitchFamily="34" charset="-120"/>
-              </a:rPr>
-              <a:t>愛</a:t>
+              <a:t>的心深深</a:t>
+            </a:r>
+            <a:r>
+              <a:rPr lang="zh-TW" altLang="en-US" sz="4400" b="1" dirty="0" smtClean="0">
+                <a:solidFill>
+                  <a:srgbClr val="002060"/>
+                </a:solidFill>
+                <a:latin typeface="微軟正黑體" pitchFamily="34" charset="-120"/>
+                <a:ea typeface="微軟正黑體" pitchFamily="34" charset="-120"/>
+              </a:rPr>
+              <a:t>被</a:t>
             </a:r>
             <a:r>
               <a:rPr lang="zh-CN" altLang="en-US" sz="4400" b="1" dirty="0" smtClean="0">
@@ -3555,29 +3645,19 @@
                 <a:latin typeface="微軟正黑體" pitchFamily="34" charset="-120"/>
                 <a:ea typeface="微軟正黑體" pitchFamily="34" charset="-120"/>
               </a:rPr>
-              <a:t>袮  </a:t>
-            </a:r>
-            <a:r>
-              <a:rPr lang="zh-TW" altLang="en-US" sz="4400" b="1" dirty="0" smtClean="0">
-                <a:solidFill>
-                  <a:srgbClr val="002060"/>
-                </a:solidFill>
-                <a:latin typeface="微軟正黑體" pitchFamily="34" charset="-120"/>
-                <a:ea typeface="微軟正黑體" pitchFamily="34" charset="-120"/>
-              </a:rPr>
-              <a:t>一生榮耀</a:t>
-            </a:r>
-            <a:r>
-              <a:rPr lang="zh-CN" altLang="en-US" sz="4400" b="1" dirty="0" smtClean="0">
-                <a:solidFill>
-                  <a:srgbClr val="002060"/>
-                </a:solidFill>
-                <a:latin typeface="微軟正黑體" pitchFamily="34" charset="-120"/>
-                <a:ea typeface="微軟正黑體" pitchFamily="34" charset="-120"/>
-              </a:rPr>
               <a:t>袮</a:t>
             </a:r>
-            <a:endParaRPr lang="en-US" altLang="zh-TW" sz="4400" b="1" dirty="0">
+            <a:r>
+              <a:rPr lang="zh-TW" altLang="en-US" sz="4400" b="1" dirty="0" smtClean="0">
+                <a:solidFill>
+                  <a:srgbClr val="002060"/>
+                </a:solidFill>
+                <a:latin typeface="微軟正黑體" pitchFamily="34" charset="-120"/>
+                <a:ea typeface="微軟正黑體" pitchFamily="34" charset="-120"/>
+              </a:rPr>
+              <a:t>吸引</a:t>
+            </a:r>
+            <a:endParaRPr lang="en-US" altLang="zh-TW" sz="4400" b="1" dirty="0" smtClean="0">
               <a:solidFill>
                 <a:srgbClr val="002060"/>
               </a:solidFill>
@@ -3590,6 +3670,36 @@
               <a:buNone/>
             </a:pPr>
             <a:r>
+              <a:rPr lang="zh-TW" altLang="en-US" sz="4400" b="1" dirty="0" smtClean="0">
+                <a:solidFill>
+                  <a:srgbClr val="002060"/>
+                </a:solidFill>
+                <a:latin typeface="微軟正黑體" pitchFamily="34" charset="-120"/>
+                <a:ea typeface="微軟正黑體" pitchFamily="34" charset="-120"/>
+              </a:rPr>
+              <a:t>愛</a:t>
+            </a:r>
+            <a:r>
+              <a:rPr lang="zh-CN" altLang="en-US" sz="4400" b="1" dirty="0" smtClean="0">
+                <a:solidFill>
+                  <a:srgbClr val="002060"/>
+                </a:solidFill>
+                <a:latin typeface="微軟正黑體" pitchFamily="34" charset="-120"/>
+                <a:ea typeface="微軟正黑體" pitchFamily="34" charset="-120"/>
+              </a:rPr>
+              <a:t>袮</a:t>
+            </a:r>
+            <a:r>
+              <a:rPr lang="zh-TW" altLang="en-US" sz="4400" b="1" dirty="0" smtClean="0">
+                <a:solidFill>
+                  <a:srgbClr val="002060"/>
+                </a:solidFill>
+                <a:latin typeface="微軟正黑體" pitchFamily="34" charset="-120"/>
+                <a:ea typeface="微軟正黑體" pitchFamily="34" charset="-120"/>
+              </a:rPr>
+              <a:t>是</a:t>
+            </a:r>
+            <a:r>
               <a:rPr lang="zh-TW" altLang="en-US" sz="4400" b="1" dirty="0">
                 <a:solidFill>
                   <a:srgbClr val="002060"/>
@@ -3597,69 +3707,17 @@
                 <a:latin typeface="微軟正黑體" pitchFamily="34" charset="-120"/>
                 <a:ea typeface="微軟正黑體" pitchFamily="34" charset="-120"/>
               </a:rPr>
-              <a:t>一生奉獻   一生不回頭</a:t>
-            </a:r>
-            <a:endParaRPr lang="en-US" altLang="zh-TW" sz="4400" b="1" dirty="0">
-              <a:solidFill>
-                <a:srgbClr val="002060"/>
-              </a:solidFill>
-              <a:latin typeface="微軟正黑體" pitchFamily="34" charset="-120"/>
-              <a:ea typeface="微軟正黑體" pitchFamily="34" charset="-120"/>
-            </a:endParaRPr>
-          </a:p>
-          <a:p>
-            <a:pPr algn="ctr">
-              <a:buNone/>
-            </a:pPr>
-            <a:r>
-              <a:rPr lang="zh-TW" altLang="en-US" sz="4400" b="1" dirty="0">
-                <a:solidFill>
-                  <a:srgbClr val="002060"/>
-                </a:solidFill>
-                <a:latin typeface="微軟正黑體" pitchFamily="34" charset="-120"/>
-                <a:ea typeface="微軟正黑體" pitchFamily="34" charset="-120"/>
-              </a:rPr>
-              <a:t>一生</a:t>
-            </a:r>
-            <a:r>
-              <a:rPr lang="zh-TW" altLang="en-US" sz="4400" b="1" dirty="0" smtClean="0">
-                <a:solidFill>
-                  <a:srgbClr val="002060"/>
-                </a:solidFill>
-                <a:latin typeface="微軟正黑體" pitchFamily="34" charset="-120"/>
-                <a:ea typeface="微軟正黑體" pitchFamily="34" charset="-120"/>
-              </a:rPr>
-              <a:t>愛</a:t>
-            </a:r>
-            <a:r>
-              <a:rPr lang="zh-CN" altLang="en-US" sz="4400" b="1" dirty="0" smtClean="0">
-                <a:solidFill>
-                  <a:srgbClr val="002060"/>
-                </a:solidFill>
-                <a:latin typeface="微軟正黑體" pitchFamily="34" charset="-120"/>
-                <a:ea typeface="微軟正黑體" pitchFamily="34" charset="-120"/>
-              </a:rPr>
-              <a:t>袮  </a:t>
-            </a:r>
-            <a:r>
-              <a:rPr lang="zh-TW" altLang="en-US" sz="4400" b="1" dirty="0" smtClean="0">
-                <a:solidFill>
-                  <a:srgbClr val="002060"/>
-                </a:solidFill>
-                <a:latin typeface="微軟正黑體" pitchFamily="34" charset="-120"/>
-                <a:ea typeface="微軟正黑體" pitchFamily="34" charset="-120"/>
-              </a:rPr>
-              <a:t>跟隨</a:t>
-            </a:r>
-            <a:r>
-              <a:rPr lang="zh-CN" altLang="en-US" sz="4400" b="1" dirty="0" smtClean="0">
-                <a:solidFill>
-                  <a:srgbClr val="002060"/>
-                </a:solidFill>
-                <a:latin typeface="微軟正黑體" pitchFamily="34" charset="-120"/>
-                <a:ea typeface="微軟正黑體" pitchFamily="34" charset="-120"/>
-              </a:rPr>
-              <a:t>袮</a:t>
+              <a:t>我的</a:t>
+            </a:r>
+            <a:r>
+              <a:rPr lang="zh-TW" altLang="en-US" sz="4400" b="1" dirty="0" smtClean="0">
+                <a:solidFill>
+                  <a:srgbClr val="002060"/>
+                </a:solidFill>
+                <a:latin typeface="微軟正黑體" pitchFamily="34" charset="-120"/>
+                <a:ea typeface="微軟正黑體" pitchFamily="34" charset="-120"/>
+              </a:rPr>
+              <a:t>喜樂</a:t>
             </a:r>
             <a:endParaRPr lang="zh-TW" altLang="en-US" sz="4400" b="1" dirty="0">
               <a:solidFill>
@@ -3676,6 +3734,13 @@
   <p:clrMapOvr>
     <a:masterClrMapping/>
   </p:clrMapOvr>
+  <p:timing>
+    <p:tnLst>
+      <p:par>
+        <p:cTn id="1" dur="indefinite" restart="never" nodeType="tmRoot"/>
+      </p:par>
+    </p:tnLst>
+  </p:timing>
 </p:sld>
 </file>
 
@@ -4004,6 +4069,13 @@
   <p:clrMapOvr>
     <a:masterClrMapping/>
   </p:clrMapOvr>
+  <p:timing>
+    <p:tnLst>
+      <p:par>
+        <p:cTn id="1" dur="indefinite" restart="never" nodeType="tmRoot"/>
+      </p:par>
+    </p:tnLst>
+  </p:timing>
 </p:sld>
 </file>
 
@@ -4036,13 +4108,329 @@
         </p:nvSpPr>
         <p:spPr/>
         <p:txBody>
-          <a:bodyPr/>
+          <a:bodyPr>
+            <a:normAutofit/>
+          </a:bodyPr>
           <a:lstStyle/>
           <a:p>
-            <a:endParaRPr lang="zh-TW" altLang="en-US"/>
-          </a:p>
-        </p:txBody>
-      </p:sp>
+            <a:r>
+              <a:rPr lang="zh-TW" altLang="en-US" sz="4000" b="1" dirty="0">
+                <a:solidFill>
+                  <a:srgbClr val="002060"/>
+                </a:solidFill>
+                <a:latin typeface="微軟正黑體" pitchFamily="34" charset="-120"/>
+                <a:ea typeface="微軟正黑體" pitchFamily="34" charset="-120"/>
+              </a:rPr>
+              <a:t>一生</a:t>
+            </a:r>
+            <a:r>
+              <a:rPr lang="zh-TW" altLang="en-US" sz="4000" b="1" dirty="0" smtClean="0">
+                <a:solidFill>
+                  <a:srgbClr val="002060"/>
+                </a:solidFill>
+                <a:latin typeface="微軟正黑體" pitchFamily="34" charset="-120"/>
+                <a:ea typeface="微軟正黑體" pitchFamily="34" charset="-120"/>
+              </a:rPr>
+              <a:t>愛</a:t>
+            </a:r>
+            <a:r>
+              <a:rPr lang="zh-CN" altLang="en-US" sz="4000" b="1" dirty="0" smtClean="0">
+                <a:solidFill>
+                  <a:srgbClr val="002060"/>
+                </a:solidFill>
+                <a:latin typeface="微軟正黑體" pitchFamily="34" charset="-120"/>
+                <a:ea typeface="微軟正黑體" pitchFamily="34" charset="-120"/>
+              </a:rPr>
+              <a:t>袮</a:t>
+            </a:r>
+            <a:endParaRPr lang="zh-TW" altLang="en-US" sz="4000" b="1" dirty="0">
+              <a:solidFill>
+                <a:srgbClr val="002060"/>
+              </a:solidFill>
+              <a:latin typeface="微軟正黑體" pitchFamily="34" charset="-120"/>
+              <a:ea typeface="微軟正黑體" pitchFamily="34" charset="-120"/>
+            </a:endParaRPr>
+          </a:p>
+        </p:txBody>
+      </p:sp>
+      <p:sp>
+        <p:nvSpPr>
+          <p:cNvPr id="3" name="內容版面配置區 2"/>
+          <p:cNvSpPr>
+            <a:spLocks noGrp="1"/>
+          </p:cNvSpPr>
+          <p:nvPr>
+            <p:ph idx="1"/>
+          </p:nvPr>
+        </p:nvSpPr>
+        <p:spPr/>
+        <p:txBody>
+          <a:bodyPr>
+            <a:noAutofit/>
+          </a:bodyPr>
+          <a:lstStyle/>
+          <a:p>
+            <a:pPr algn="ctr">
+              <a:buNone/>
+            </a:pPr>
+            <a:r>
+              <a:rPr lang="zh-TW" altLang="en-US" sz="4400" b="1" dirty="0">
+                <a:solidFill>
+                  <a:srgbClr val="002060"/>
+                </a:solidFill>
+                <a:latin typeface="微軟正黑體" pitchFamily="34" charset="-120"/>
+                <a:ea typeface="微軟正黑體" pitchFamily="34" charset="-120"/>
+              </a:rPr>
+              <a:t>一生</a:t>
+            </a:r>
+            <a:r>
+              <a:rPr lang="zh-TW" altLang="en-US" sz="4400" b="1" dirty="0" smtClean="0">
+                <a:solidFill>
+                  <a:srgbClr val="002060"/>
+                </a:solidFill>
+                <a:latin typeface="微軟正黑體" pitchFamily="34" charset="-120"/>
+                <a:ea typeface="微軟正黑體" pitchFamily="34" charset="-120"/>
+              </a:rPr>
+              <a:t>愛</a:t>
+            </a:r>
+            <a:r>
+              <a:rPr lang="zh-CN" altLang="en-US" sz="4400" b="1" dirty="0" smtClean="0">
+                <a:solidFill>
+                  <a:srgbClr val="002060"/>
+                </a:solidFill>
+                <a:latin typeface="微軟正黑體" pitchFamily="34" charset="-120"/>
+                <a:ea typeface="微軟正黑體" pitchFamily="34" charset="-120"/>
+              </a:rPr>
+              <a:t>袮  </a:t>
+            </a:r>
+            <a:r>
+              <a:rPr lang="zh-TW" altLang="en-US" sz="4400" b="1" dirty="0" smtClean="0">
+                <a:solidFill>
+                  <a:srgbClr val="002060"/>
+                </a:solidFill>
+                <a:latin typeface="微軟正黑體" pitchFamily="34" charset="-120"/>
+                <a:ea typeface="微軟正黑體" pitchFamily="34" charset="-120"/>
+              </a:rPr>
+              <a:t>一生</a:t>
+            </a:r>
+            <a:r>
+              <a:rPr lang="zh-TW" altLang="en-US" sz="4400" b="1" dirty="0">
+                <a:solidFill>
+                  <a:srgbClr val="002060"/>
+                </a:solidFill>
+                <a:latin typeface="微軟正黑體" pitchFamily="34" charset="-120"/>
+                <a:ea typeface="微軟正黑體" pitchFamily="34" charset="-120"/>
+              </a:rPr>
+              <a:t>敬</a:t>
+            </a:r>
+            <a:r>
+              <a:rPr lang="zh-TW" altLang="en-US" sz="4400" b="1" dirty="0" smtClean="0">
+                <a:solidFill>
+                  <a:srgbClr val="002060"/>
+                </a:solidFill>
+                <a:latin typeface="微軟正黑體" pitchFamily="34" charset="-120"/>
+                <a:ea typeface="微軟正黑體" pitchFamily="34" charset="-120"/>
+              </a:rPr>
+              <a:t>拜</a:t>
+            </a:r>
+            <a:r>
+              <a:rPr lang="zh-CN" altLang="en-US" sz="4400" b="1" dirty="0" smtClean="0">
+                <a:solidFill>
+                  <a:srgbClr val="002060"/>
+                </a:solidFill>
+                <a:latin typeface="微軟正黑體" pitchFamily="34" charset="-120"/>
+                <a:ea typeface="微軟正黑體" pitchFamily="34" charset="-120"/>
+              </a:rPr>
+              <a:t>袮</a:t>
+            </a:r>
+            <a:endParaRPr lang="en-US" altLang="zh-TW" sz="4400" b="1" dirty="0">
+              <a:solidFill>
+                <a:srgbClr val="002060"/>
+              </a:solidFill>
+              <a:latin typeface="微軟正黑體" pitchFamily="34" charset="-120"/>
+              <a:ea typeface="微軟正黑體" pitchFamily="34" charset="-120"/>
+            </a:endParaRPr>
+          </a:p>
+          <a:p>
+            <a:pPr algn="ctr">
+              <a:buNone/>
+            </a:pPr>
+            <a:r>
+              <a:rPr lang="zh-TW" altLang="en-US" sz="4400" b="1" dirty="0">
+                <a:solidFill>
+                  <a:srgbClr val="002060"/>
+                </a:solidFill>
+                <a:latin typeface="微軟正黑體" pitchFamily="34" charset="-120"/>
+                <a:ea typeface="微軟正黑體" pitchFamily="34" charset="-120"/>
+              </a:rPr>
+              <a:t>一生</a:t>
+            </a:r>
+            <a:r>
+              <a:rPr lang="zh-TW" altLang="en-US" sz="4400" b="1" dirty="0" smtClean="0">
+                <a:solidFill>
+                  <a:srgbClr val="002060"/>
+                </a:solidFill>
+                <a:latin typeface="微軟正黑體" pitchFamily="34" charset="-120"/>
+                <a:ea typeface="微軟正黑體" pitchFamily="34" charset="-120"/>
+              </a:rPr>
+              <a:t>愛</a:t>
+            </a:r>
+            <a:r>
+              <a:rPr lang="zh-CN" altLang="en-US" sz="4400" b="1" dirty="0" smtClean="0">
+                <a:solidFill>
+                  <a:srgbClr val="002060"/>
+                </a:solidFill>
+                <a:latin typeface="微軟正黑體" pitchFamily="34" charset="-120"/>
+                <a:ea typeface="微軟正黑體" pitchFamily="34" charset="-120"/>
+              </a:rPr>
+              <a:t>袮  </a:t>
+            </a:r>
+            <a:r>
+              <a:rPr lang="zh-TW" altLang="en-US" sz="4400" b="1" dirty="0" smtClean="0">
+                <a:solidFill>
+                  <a:srgbClr val="002060"/>
+                </a:solidFill>
+                <a:latin typeface="微軟正黑體" pitchFamily="34" charset="-120"/>
+                <a:ea typeface="微軟正黑體" pitchFamily="34" charset="-120"/>
+              </a:rPr>
+              <a:t>一生榮耀</a:t>
+            </a:r>
+            <a:r>
+              <a:rPr lang="zh-CN" altLang="en-US" sz="4400" b="1" dirty="0" smtClean="0">
+                <a:solidFill>
+                  <a:srgbClr val="002060"/>
+                </a:solidFill>
+                <a:latin typeface="微軟正黑體" pitchFamily="34" charset="-120"/>
+                <a:ea typeface="微軟正黑體" pitchFamily="34" charset="-120"/>
+              </a:rPr>
+              <a:t>袮</a:t>
+            </a:r>
+            <a:endParaRPr lang="en-US" altLang="zh-TW" sz="4400" b="1" dirty="0">
+              <a:solidFill>
+                <a:srgbClr val="002060"/>
+              </a:solidFill>
+              <a:latin typeface="微軟正黑體" pitchFamily="34" charset="-120"/>
+              <a:ea typeface="微軟正黑體" pitchFamily="34" charset="-120"/>
+            </a:endParaRPr>
+          </a:p>
+          <a:p>
+            <a:pPr algn="ctr">
+              <a:buNone/>
+            </a:pPr>
+            <a:r>
+              <a:rPr lang="zh-TW" altLang="en-US" sz="4400" b="1" dirty="0">
+                <a:solidFill>
+                  <a:srgbClr val="002060"/>
+                </a:solidFill>
+                <a:latin typeface="微軟正黑體" pitchFamily="34" charset="-120"/>
+                <a:ea typeface="微軟正黑體" pitchFamily="34" charset="-120"/>
+              </a:rPr>
+              <a:t>一生奉獻   一生不回頭</a:t>
+            </a:r>
+            <a:endParaRPr lang="en-US" altLang="zh-TW" sz="4400" b="1" dirty="0">
+              <a:solidFill>
+                <a:srgbClr val="002060"/>
+              </a:solidFill>
+              <a:latin typeface="微軟正黑體" pitchFamily="34" charset="-120"/>
+              <a:ea typeface="微軟正黑體" pitchFamily="34" charset="-120"/>
+            </a:endParaRPr>
+          </a:p>
+          <a:p>
+            <a:pPr algn="ctr">
+              <a:buNone/>
+            </a:pPr>
+            <a:r>
+              <a:rPr lang="zh-TW" altLang="en-US" sz="4400" b="1" dirty="0">
+                <a:solidFill>
+                  <a:srgbClr val="002060"/>
+                </a:solidFill>
+                <a:latin typeface="微軟正黑體" pitchFamily="34" charset="-120"/>
+                <a:ea typeface="微軟正黑體" pitchFamily="34" charset="-120"/>
+              </a:rPr>
+              <a:t>一生</a:t>
+            </a:r>
+            <a:r>
+              <a:rPr lang="zh-TW" altLang="en-US" sz="4400" b="1" dirty="0" smtClean="0">
+                <a:solidFill>
+                  <a:srgbClr val="002060"/>
+                </a:solidFill>
+                <a:latin typeface="微軟正黑體" pitchFamily="34" charset="-120"/>
+                <a:ea typeface="微軟正黑體" pitchFamily="34" charset="-120"/>
+              </a:rPr>
+              <a:t>愛</a:t>
+            </a:r>
+            <a:r>
+              <a:rPr lang="zh-CN" altLang="en-US" sz="4400" b="1" dirty="0" smtClean="0">
+                <a:solidFill>
+                  <a:srgbClr val="002060"/>
+                </a:solidFill>
+                <a:latin typeface="微軟正黑體" pitchFamily="34" charset="-120"/>
+                <a:ea typeface="微軟正黑體" pitchFamily="34" charset="-120"/>
+              </a:rPr>
+              <a:t>袮  </a:t>
+            </a:r>
+            <a:r>
+              <a:rPr lang="zh-TW" altLang="en-US" sz="4400" b="1" dirty="0" smtClean="0">
+                <a:solidFill>
+                  <a:srgbClr val="002060"/>
+                </a:solidFill>
+                <a:latin typeface="微軟正黑體" pitchFamily="34" charset="-120"/>
+                <a:ea typeface="微軟正黑體" pitchFamily="34" charset="-120"/>
+              </a:rPr>
+              <a:t>跟隨</a:t>
+            </a:r>
+            <a:r>
+              <a:rPr lang="zh-CN" altLang="en-US" sz="4400" b="1" dirty="0" smtClean="0">
+                <a:solidFill>
+                  <a:srgbClr val="002060"/>
+                </a:solidFill>
+                <a:latin typeface="微軟正黑體" pitchFamily="34" charset="-120"/>
+                <a:ea typeface="微軟正黑體" pitchFamily="34" charset="-120"/>
+              </a:rPr>
+              <a:t>袮</a:t>
+            </a:r>
+            <a:endParaRPr lang="zh-TW" altLang="en-US" sz="4400" b="1" dirty="0">
+              <a:solidFill>
+                <a:srgbClr val="002060"/>
+              </a:solidFill>
+              <a:latin typeface="微軟正黑體" pitchFamily="34" charset="-120"/>
+              <a:ea typeface="微軟正黑體" pitchFamily="34" charset="-120"/>
+            </a:endParaRPr>
+          </a:p>
+        </p:txBody>
+      </p:sp>
+    </p:spTree>
+  </p:cSld>
+  <p:clrMapOvr>
+    <a:masterClrMapping/>
+  </p:clrMapOvr>
+  <p:timing>
+    <p:tnLst>
+      <p:par>
+        <p:cTn id="1" dur="indefinite" restart="never" nodeType="tmRoot"/>
+      </p:par>
+    </p:tnLst>
+  </p:timing>
+</p:sld>
+</file>
+
+<file path=ppt/slides/slide13.xml><?xml version="1.0" encoding="utf-8"?>
+<p:sld xmlns:a="http://schemas.openxmlformats.org/drawingml/2006/main" xmlns:r="http://schemas.openxmlformats.org/officeDocument/2006/relationships" xmlns:p="http://schemas.openxmlformats.org/presentationml/2006/main">
+  <p:cSld>
+    <p:spTree>
+      <p:nvGrpSpPr>
+        <p:cNvPr id="1" name=""/>
+        <p:cNvGrpSpPr/>
+        <p:nvPr/>
+      </p:nvGrpSpPr>
+      <p:grpSpPr>
+        <a:xfrm>
+          <a:off x="0" y="0"/>
+          <a:ext cx="0" cy="0"/>
+          <a:chOff x="0" y="0"/>
+          <a:chExt cx="0" cy="0"/>
+        </a:xfrm>
+      </p:grpSpPr>
       <p:sp>
         <p:nvSpPr>
           <p:cNvPr id="3" name="內容版面配置區 2"/>
@@ -4093,17 +4481,7 @@
                 <a:latin typeface="微軟正黑體" pitchFamily="34" charset="-120"/>
                 <a:ea typeface="微軟正黑體" pitchFamily="34" charset="-120"/>
               </a:rPr>
-              <a:t>一生</a:t>
-            </a:r>
-            <a:r>
-              <a:rPr lang="zh-TW" altLang="en-US" sz="4400" b="1" dirty="0" smtClean="0">
-                <a:solidFill>
-                  <a:srgbClr val="002060"/>
-                </a:solidFill>
-                <a:latin typeface="微軟正黑體" pitchFamily="34" charset="-120"/>
-                <a:ea typeface="微軟正黑體" pitchFamily="34" charset="-120"/>
-              </a:rPr>
-              <a:t>不回頭</a:t>
+              <a:t>一生不回頭</a:t>
             </a:r>
             <a:endParaRPr lang="en-US" altLang="zh-TW" sz="4400" b="1" dirty="0" smtClean="0">
               <a:solidFill>
@@ -4125,17 +4503,7 @@
                 <a:latin typeface="微軟正黑體" pitchFamily="34" charset="-120"/>
                 <a:ea typeface="微軟正黑體" pitchFamily="34" charset="-120"/>
               </a:rPr>
-              <a:t>一生</a:t>
-            </a:r>
-            <a:r>
-              <a:rPr lang="zh-TW" altLang="en-US" sz="4400" b="1" dirty="0" smtClean="0">
-                <a:solidFill>
-                  <a:srgbClr val="002060"/>
-                </a:solidFill>
-                <a:latin typeface="微軟正黑體" pitchFamily="34" charset="-120"/>
-                <a:ea typeface="微軟正黑體" pitchFamily="34" charset="-120"/>
-              </a:rPr>
-              <a:t>愛</a:t>
+              <a:t>一生愛</a:t>
             </a:r>
             <a:r>
               <a:rPr lang="zh-CN" altLang="en-US" sz="4400" b="1" dirty="0" smtClean="0">
@@ -4184,11 +4552,37 @@
           </a:p>
         </p:txBody>
       </p:sp>
+      <p:sp>
+        <p:nvSpPr>
+          <p:cNvPr id="4" name="標題 3"/>
+          <p:cNvSpPr>
+            <a:spLocks noGrp="1"/>
+          </p:cNvSpPr>
+          <p:nvPr>
+            <p:ph type="title"/>
+          </p:nvPr>
+        </p:nvSpPr>
+        <p:spPr/>
+        <p:txBody>
+          <a:bodyPr/>
+          <a:lstStyle/>
+          <a:p>
+            <a:endParaRPr lang="zh-TW" altLang="en-US"/>
+          </a:p>
+        </p:txBody>
+      </p:sp>
     </p:spTree>
   </p:cSld>
   <p:clrMapOvr>
     <a:masterClrMapping/>
   </p:clrMapOvr>
+  <p:timing>
+    <p:tnLst>
+      <p:par>
+        <p:cTn id="1" dur="indefinite" restart="never" nodeType="tmRoot"/>
+      </p:par>
+    </p:tnLst>
+  </p:timing>
 </p:sld>
 </file>
 
@@ -4228,6 +4622,9 @@
           <a:p>
             <a:r>
               <a:rPr lang="zh-TW" altLang="en-US" sz="4000" b="1" dirty="0">
+                <a:solidFill>
+                  <a:srgbClr val="660033"/>
+                </a:solidFill>
                 <a:latin typeface="Microsoft JhengHei" pitchFamily="34" charset="-120"/>
                 <a:ea typeface="Microsoft JhengHei" pitchFamily="34" charset="-120"/>
               </a:rPr>
@@ -4263,6 +4660,9 @@
             </a:pPr>
             <a:r>
               <a:rPr lang="zh-TW" altLang="en-US" sz="4400" b="1" dirty="0">
+                <a:solidFill>
+                  <a:srgbClr val="660033"/>
+                </a:solidFill>
                 <a:latin typeface="Microsoft JhengHei" pitchFamily="34" charset="-120"/>
                 <a:ea typeface="Microsoft JhengHei" pitchFamily="34" charset="-120"/>
               </a:rPr>
@@ -4270,6 +4670,9 @@
             </a:r>
             <a:r>
               <a:rPr lang="zh-TW" altLang="en-US" sz="4400" b="1" dirty="0" smtClean="0">
+                <a:solidFill>
+                  <a:srgbClr val="660033"/>
+                </a:solidFill>
                 <a:latin typeface="Microsoft JhengHei" pitchFamily="34" charset="-120"/>
                 <a:ea typeface="Microsoft JhengHei" pitchFamily="34" charset="-120"/>
               </a:rPr>
@@ -4277,6 +4680,9 @@
             </a:r>
             <a:r>
               <a:rPr lang="en-US" altLang="zh-TW" sz="4400" b="1" dirty="0" smtClean="0">
+                <a:solidFill>
+                  <a:srgbClr val="660033"/>
+                </a:solidFill>
                 <a:latin typeface="Microsoft JhengHei" pitchFamily="34" charset="-120"/>
                 <a:ea typeface="Microsoft JhengHei" pitchFamily="34" charset="-120"/>
               </a:rPr>
@@ -4284,6 +4690,9 @@
             </a:r>
             <a:r>
               <a:rPr lang="zh-TW" altLang="en-US" sz="4400" b="1" dirty="0" smtClean="0">
+                <a:solidFill>
+                  <a:srgbClr val="660033"/>
+                </a:solidFill>
                 <a:latin typeface="Microsoft JhengHei" pitchFamily="34" charset="-120"/>
                 <a:ea typeface="Microsoft JhengHei" pitchFamily="34" charset="-120"/>
               </a:rPr>
@@ -4291,6 +4700,9 @@
             </a:r>
             <a:r>
               <a:rPr lang="zh-TW" altLang="en-US" sz="4400" b="1" dirty="0">
+                <a:solidFill>
+                  <a:srgbClr val="660033"/>
+                </a:solidFill>
                 <a:latin typeface="Microsoft JhengHei" pitchFamily="34" charset="-120"/>
                 <a:ea typeface="Microsoft JhengHei" pitchFamily="34" charset="-120"/>
               </a:rPr>
@@ -4298,6 +4710,9 @@
             </a:r>
             <a:r>
               <a:rPr lang="zh-TW" altLang="en-US" sz="4400" b="1" dirty="0" smtClean="0">
+                <a:solidFill>
+                  <a:srgbClr val="660033"/>
+                </a:solidFill>
                 <a:latin typeface="Microsoft JhengHei" pitchFamily="34" charset="-120"/>
                 <a:ea typeface="Microsoft JhengHei" pitchFamily="34" charset="-120"/>
               </a:rPr>
@@ -4305,6 +4720,9 @@
             </a:r>
             <a:r>
               <a:rPr lang="zh-CN" altLang="en-US" sz="4400" b="1" dirty="0" smtClean="0">
+                <a:solidFill>
+                  <a:srgbClr val="660033"/>
+                </a:solidFill>
                 <a:latin typeface="Microsoft JhengHei" pitchFamily="34" charset="-120"/>
                 <a:ea typeface="Microsoft JhengHei" pitchFamily="34" charset="-120"/>
               </a:rPr>
@@ -4312,6 +4730,9 @@
             </a:r>
             <a:r>
               <a:rPr lang="zh-TW" altLang="en-US" sz="4400" b="1" dirty="0" smtClean="0">
+                <a:solidFill>
+                  <a:srgbClr val="660033"/>
+                </a:solidFill>
                 <a:latin typeface="Microsoft JhengHei" pitchFamily="34" charset="-120"/>
                 <a:ea typeface="Microsoft JhengHei" pitchFamily="34" charset="-120"/>
               </a:rPr>
@@ -4319,12 +4740,18 @@
             </a:r>
             <a:r>
               <a:rPr lang="zh-TW" altLang="en-US" sz="4400" b="1" dirty="0">
+                <a:solidFill>
+                  <a:srgbClr val="660033"/>
+                </a:solidFill>
                 <a:latin typeface="Microsoft JhengHei" pitchFamily="34" charset="-120"/>
                 <a:ea typeface="Microsoft JhengHei" pitchFamily="34" charset="-120"/>
               </a:rPr>
               <a:t>同在裡</a:t>
             </a:r>
             <a:endParaRPr lang="en-US" altLang="zh-TW" sz="4400" b="1" dirty="0">
+              <a:solidFill>
+                <a:srgbClr val="660033"/>
+              </a:solidFill>
               <a:latin typeface="Microsoft JhengHei" pitchFamily="34" charset="-120"/>
               <a:ea typeface="Microsoft JhengHei" pitchFamily="34" charset="-120"/>
             </a:endParaRPr>
@@ -4335,6 +4762,9 @@
             </a:pPr>
             <a:r>
               <a:rPr lang="zh-TW" altLang="en-US" sz="4400" b="1" dirty="0">
+                <a:solidFill>
+                  <a:srgbClr val="660033"/>
+                </a:solidFill>
                 <a:latin typeface="Microsoft JhengHei" pitchFamily="34" charset="-120"/>
                 <a:ea typeface="Microsoft JhengHei" pitchFamily="34" charset="-120"/>
               </a:rPr>
@@ -4342,6 +4772,9 @@
             </a:r>
             <a:r>
               <a:rPr lang="zh-TW" altLang="en-US" sz="4400" b="1" dirty="0" smtClean="0">
+                <a:solidFill>
+                  <a:srgbClr val="660033"/>
+                </a:solidFill>
                 <a:latin typeface="Microsoft JhengHei" pitchFamily="34" charset="-120"/>
                 <a:ea typeface="Microsoft JhengHei" pitchFamily="34" charset="-120"/>
               </a:rPr>
@@ -4349,6 +4782,9 @@
             </a:r>
             <a:r>
               <a:rPr lang="en-US" altLang="zh-TW" sz="4400" b="1" dirty="0" smtClean="0">
+                <a:solidFill>
+                  <a:srgbClr val="660033"/>
+                </a:solidFill>
                 <a:latin typeface="Microsoft JhengHei" pitchFamily="34" charset="-120"/>
                 <a:ea typeface="Microsoft JhengHei" pitchFamily="34" charset="-120"/>
               </a:rPr>
@@ -4356,6 +4792,9 @@
             </a:r>
             <a:r>
               <a:rPr lang="zh-TW" altLang="en-US" sz="4400" b="1" dirty="0" smtClean="0">
+                <a:solidFill>
+                  <a:srgbClr val="660033"/>
+                </a:solidFill>
                 <a:latin typeface="Microsoft JhengHei" pitchFamily="34" charset="-120"/>
                 <a:ea typeface="Microsoft JhengHei" pitchFamily="34" charset="-120"/>
               </a:rPr>
@@ -4363,6 +4802,9 @@
             </a:r>
             <a:r>
               <a:rPr lang="zh-TW" altLang="en-US" sz="4400" b="1" dirty="0">
+                <a:solidFill>
+                  <a:srgbClr val="660033"/>
+                </a:solidFill>
                 <a:latin typeface="Microsoft JhengHei" pitchFamily="34" charset="-120"/>
                 <a:ea typeface="Microsoft JhengHei" pitchFamily="34" charset="-120"/>
               </a:rPr>
@@ -4370,6 +4812,9 @@
             </a:r>
             <a:r>
               <a:rPr lang="zh-TW" altLang="en-US" sz="4400" b="1" dirty="0" smtClean="0">
+                <a:solidFill>
+                  <a:srgbClr val="660033"/>
+                </a:solidFill>
                 <a:latin typeface="Microsoft JhengHei" pitchFamily="34" charset="-120"/>
                 <a:ea typeface="Microsoft JhengHei" pitchFamily="34" charset="-120"/>
               </a:rPr>
@@ -4377,12 +4822,18 @@
             </a:r>
             <a:r>
               <a:rPr lang="zh-CN" altLang="en-US" sz="4400" b="1" dirty="0" smtClean="0">
+                <a:solidFill>
+                  <a:srgbClr val="660033"/>
+                </a:solidFill>
                 <a:latin typeface="Microsoft JhengHei" pitchFamily="34" charset="-120"/>
                 <a:ea typeface="Microsoft JhengHei" pitchFamily="34" charset="-120"/>
               </a:rPr>
               <a:t>袮</a:t>
             </a:r>
             <a:endParaRPr lang="en-US" altLang="zh-TW" sz="4400" b="1" dirty="0" smtClean="0">
+              <a:solidFill>
+                <a:srgbClr val="660033"/>
+              </a:solidFill>
               <a:latin typeface="Microsoft JhengHei" pitchFamily="34" charset="-120"/>
               <a:ea typeface="Microsoft JhengHei" pitchFamily="34" charset="-120"/>
             </a:endParaRPr>
@@ -4393,6 +4844,9 @@
             </a:pPr>
             <a:r>
               <a:rPr lang="zh-TW" altLang="en-US" sz="4400" b="1" dirty="0">
+                <a:solidFill>
+                  <a:srgbClr val="660033"/>
+                </a:solidFill>
                 <a:latin typeface="Microsoft JhengHei" pitchFamily="34" charset="-120"/>
                 <a:ea typeface="Microsoft JhengHei" pitchFamily="34" charset="-120"/>
               </a:rPr>
@@ -4400,6 +4854,9 @@
             </a:r>
             <a:r>
               <a:rPr lang="zh-TW" altLang="en-US" sz="4400" b="1" dirty="0" smtClean="0">
+                <a:solidFill>
+                  <a:srgbClr val="660033"/>
+                </a:solidFill>
                 <a:latin typeface="Microsoft JhengHei" pitchFamily="34" charset="-120"/>
                 <a:ea typeface="Microsoft JhengHei" pitchFamily="34" charset="-120"/>
               </a:rPr>
@@ -4407,6 +4864,9 @@
             </a:r>
             <a:r>
               <a:rPr lang="zh-CN" altLang="en-US" sz="4400" b="1" dirty="0" smtClean="0">
+                <a:solidFill>
+                  <a:srgbClr val="660033"/>
+                </a:solidFill>
                 <a:latin typeface="Microsoft JhengHei" pitchFamily="34" charset="-120"/>
                 <a:ea typeface="Microsoft JhengHei" pitchFamily="34" charset="-120"/>
               </a:rPr>
@@ -4414,6 +4874,9 @@
             </a:r>
             <a:r>
               <a:rPr lang="zh-TW" altLang="en-US" sz="4400" b="1" dirty="0" smtClean="0">
+                <a:solidFill>
+                  <a:srgbClr val="660033"/>
+                </a:solidFill>
                 <a:latin typeface="Microsoft JhengHei" pitchFamily="34" charset="-120"/>
                 <a:ea typeface="Microsoft JhengHei" pitchFamily="34" charset="-120"/>
               </a:rPr>
@@ -4421,12 +4884,18 @@
             </a:r>
             <a:r>
               <a:rPr lang="zh-TW" altLang="en-US" sz="4400" b="1" dirty="0">
+                <a:solidFill>
+                  <a:srgbClr val="660033"/>
+                </a:solidFill>
                 <a:latin typeface="Microsoft JhengHei" pitchFamily="34" charset="-120"/>
                 <a:ea typeface="Microsoft JhengHei" pitchFamily="34" charset="-120"/>
               </a:rPr>
               <a:t>中</a:t>
             </a:r>
             <a:endParaRPr lang="en-US" altLang="zh-TW" sz="4400" b="1" dirty="0">
+              <a:solidFill>
+                <a:srgbClr val="660033"/>
+              </a:solidFill>
               <a:latin typeface="Microsoft JhengHei" pitchFamily="34" charset="-120"/>
               <a:ea typeface="Microsoft JhengHei" pitchFamily="34" charset="-120"/>
             </a:endParaRPr>
@@ -4437,6 +4906,9 @@
             </a:pPr>
             <a:r>
               <a:rPr lang="zh-TW" altLang="en-US" sz="4400" b="1" dirty="0">
+                <a:solidFill>
+                  <a:srgbClr val="660033"/>
+                </a:solidFill>
                 <a:latin typeface="Microsoft JhengHei" pitchFamily="34" charset="-120"/>
                 <a:ea typeface="Microsoft JhengHei" pitchFamily="34" charset="-120"/>
               </a:rPr>
@@ -4444,6 +4916,9 @@
             </a:r>
             <a:r>
               <a:rPr lang="zh-TW" altLang="en-US" sz="4400" b="1" dirty="0" smtClean="0">
+                <a:solidFill>
+                  <a:srgbClr val="660033"/>
+                </a:solidFill>
                 <a:latin typeface="Microsoft JhengHei" pitchFamily="34" charset="-120"/>
                 <a:ea typeface="Microsoft JhengHei" pitchFamily="34" charset="-120"/>
               </a:rPr>
@@ -4451,12 +4926,18 @@
             </a:r>
             <a:r>
               <a:rPr lang="zh-CN" altLang="en-US" sz="4400" b="1" dirty="0" smtClean="0">
+                <a:solidFill>
+                  <a:srgbClr val="660033"/>
+                </a:solidFill>
                 <a:latin typeface="Microsoft JhengHei" pitchFamily="34" charset="-120"/>
                 <a:ea typeface="Microsoft JhengHei" pitchFamily="34" charset="-120"/>
               </a:rPr>
               <a:t>袮</a:t>
             </a:r>
             <a:endParaRPr lang="zh-TW" altLang="en-US" sz="4400" b="1" dirty="0">
+              <a:solidFill>
+                <a:srgbClr val="660033"/>
+              </a:solidFill>
               <a:latin typeface="Microsoft JhengHei" pitchFamily="34" charset="-120"/>
               <a:ea typeface="Microsoft JhengHei" pitchFamily="34" charset="-120"/>
             </a:endParaRPr>
@@ -4514,6 +4995,9 @@
           <a:p>
             <a:r>
               <a:rPr lang="zh-TW" altLang="en-US" sz="4000" b="1" dirty="0">
+                <a:solidFill>
+                  <a:srgbClr val="660033"/>
+                </a:solidFill>
                 <a:latin typeface="Microsoft JhengHei" pitchFamily="34" charset="-120"/>
                 <a:ea typeface="Microsoft JhengHei" pitchFamily="34" charset="-120"/>
               </a:rPr>
@@ -4549,6 +5033,9 @@
             </a:pPr>
             <a:r>
               <a:rPr lang="zh-TW" altLang="en-US" sz="4400" b="1" dirty="0">
+                <a:solidFill>
+                  <a:srgbClr val="660033"/>
+                </a:solidFill>
                 <a:latin typeface="Microsoft JhengHei" pitchFamily="34" charset="-120"/>
                 <a:ea typeface="Microsoft JhengHei" pitchFamily="34" charset="-120"/>
               </a:rPr>
@@ -4556,6 +5043,9 @@
             </a:r>
             <a:r>
               <a:rPr lang="zh-TW" altLang="en-US" sz="4400" b="1" dirty="0" smtClean="0">
+                <a:solidFill>
+                  <a:srgbClr val="660033"/>
+                </a:solidFill>
                 <a:latin typeface="Microsoft JhengHei" pitchFamily="34" charset="-120"/>
                 <a:ea typeface="Microsoft JhengHei" pitchFamily="34" charset="-120"/>
               </a:rPr>
@@ -4563,6 +5053,9 @@
             </a:r>
             <a:r>
               <a:rPr lang="zh-CN" altLang="en-US" sz="4400" b="1" dirty="0" smtClean="0">
+                <a:solidFill>
+                  <a:srgbClr val="660033"/>
+                </a:solidFill>
                 <a:latin typeface="Microsoft JhengHei" pitchFamily="34" charset="-120"/>
                 <a:ea typeface="Microsoft JhengHei" pitchFamily="34" charset="-120"/>
               </a:rPr>
@@ -4570,6 +5063,9 @@
             </a:r>
             <a:r>
               <a:rPr lang="zh-TW" altLang="en-US" sz="4400" b="1" dirty="0" smtClean="0">
+                <a:solidFill>
+                  <a:srgbClr val="660033"/>
+                </a:solidFill>
                 <a:latin typeface="Microsoft JhengHei" pitchFamily="34" charset="-120"/>
                 <a:ea typeface="Microsoft JhengHei" pitchFamily="34" charset="-120"/>
               </a:rPr>
@@ -4577,6 +5073,9 @@
             </a:r>
             <a:r>
               <a:rPr lang="zh-TW" altLang="en-US" sz="4400" b="1" dirty="0">
+                <a:solidFill>
+                  <a:srgbClr val="660033"/>
+                </a:solidFill>
                 <a:latin typeface="Microsoft JhengHei" pitchFamily="34" charset="-120"/>
                 <a:ea typeface="Microsoft JhengHei" pitchFamily="34" charset="-120"/>
               </a:rPr>
@@ -4584,12 +5083,18 @@
             </a:r>
             <a:r>
               <a:rPr lang="zh-TW" altLang="en-US" sz="4400" b="1" dirty="0" smtClean="0">
+                <a:solidFill>
+                  <a:srgbClr val="660033"/>
+                </a:solidFill>
                 <a:latin typeface="Microsoft JhengHei" pitchFamily="34" charset="-120"/>
                 <a:ea typeface="Microsoft JhengHei" pitchFamily="34" charset="-120"/>
               </a:rPr>
               <a:t>福分</a:t>
             </a:r>
             <a:endParaRPr lang="en-US" altLang="zh-TW" sz="4400" b="1" dirty="0" smtClean="0">
+              <a:solidFill>
+                <a:srgbClr val="660033"/>
+              </a:solidFill>
               <a:latin typeface="Microsoft JhengHei" pitchFamily="34" charset="-120"/>
               <a:ea typeface="Microsoft JhengHei" pitchFamily="34" charset="-120"/>
             </a:endParaRPr>
@@ -4600,6 +5105,9 @@
             </a:pPr>
             <a:r>
               <a:rPr lang="zh-TW" altLang="en-US" sz="4400" b="1" dirty="0" smtClean="0">
+                <a:solidFill>
+                  <a:srgbClr val="660033"/>
+                </a:solidFill>
                 <a:latin typeface="Microsoft JhengHei" pitchFamily="34" charset="-120"/>
                 <a:ea typeface="Microsoft JhengHei" pitchFamily="34" charset="-120"/>
               </a:rPr>
@@ -4607,6 +5115,9 @@
             </a:r>
             <a:r>
               <a:rPr lang="zh-TW" altLang="en-US" sz="4400" b="1" dirty="0">
+                <a:solidFill>
+                  <a:srgbClr val="660033"/>
+                </a:solidFill>
                 <a:latin typeface="Microsoft JhengHei" pitchFamily="34" charset="-120"/>
                 <a:ea typeface="Microsoft JhengHei" pitchFamily="34" charset="-120"/>
               </a:rPr>
@@ -4614,6 +5125,9 @@
             </a:r>
             <a:r>
               <a:rPr lang="zh-TW" altLang="en-US" sz="4400" b="1" dirty="0" smtClean="0">
+                <a:solidFill>
+                  <a:srgbClr val="660033"/>
+                </a:solidFill>
                 <a:latin typeface="Microsoft JhengHei" pitchFamily="34" charset="-120"/>
                 <a:ea typeface="Microsoft JhengHei" pitchFamily="34" charset="-120"/>
               </a:rPr>
@@ -4621,6 +5135,9 @@
             </a:r>
             <a:r>
               <a:rPr lang="zh-CN" altLang="en-US" sz="4400" b="1" dirty="0" smtClean="0">
+                <a:solidFill>
+                  <a:srgbClr val="660033"/>
+                </a:solidFill>
                 <a:latin typeface="Microsoft JhengHei" pitchFamily="34" charset="-120"/>
                 <a:ea typeface="Microsoft JhengHei" pitchFamily="34" charset="-120"/>
               </a:rPr>
@@ -4628,6 +5145,9 @@
             </a:r>
             <a:r>
               <a:rPr lang="zh-TW" altLang="en-US" sz="4400" b="1" dirty="0" smtClean="0">
+                <a:solidFill>
+                  <a:srgbClr val="660033"/>
+                </a:solidFill>
                 <a:latin typeface="Microsoft JhengHei" pitchFamily="34" charset="-120"/>
                 <a:ea typeface="Microsoft JhengHei" pitchFamily="34" charset="-120"/>
               </a:rPr>
@@ -4635,6 +5155,9 @@
             </a:r>
             <a:r>
               <a:rPr lang="zh-TW" altLang="en-US" sz="4400" b="1" dirty="0">
+                <a:solidFill>
+                  <a:srgbClr val="660033"/>
+                </a:solidFill>
                 <a:latin typeface="Microsoft JhengHei" pitchFamily="34" charset="-120"/>
                 <a:ea typeface="Microsoft JhengHei" pitchFamily="34" charset="-120"/>
               </a:rPr>
@@ -4642,12 +5165,18 @@
             </a:r>
             <a:r>
               <a:rPr lang="zh-TW" altLang="en-US" sz="4400" b="1" dirty="0" smtClean="0">
+                <a:solidFill>
+                  <a:srgbClr val="660033"/>
+                </a:solidFill>
                 <a:latin typeface="Microsoft JhengHei" pitchFamily="34" charset="-120"/>
                 <a:ea typeface="Microsoft JhengHei" pitchFamily="34" charset="-120"/>
               </a:rPr>
               <a:t>拜</a:t>
             </a:r>
             <a:endParaRPr lang="en-US" altLang="zh-TW" sz="4400" b="1" dirty="0" smtClean="0">
+              <a:solidFill>
+                <a:srgbClr val="660033"/>
+              </a:solidFill>
               <a:latin typeface="Microsoft JhengHei" pitchFamily="34" charset="-120"/>
               <a:ea typeface="Microsoft JhengHei" pitchFamily="34" charset="-120"/>
             </a:endParaRPr>
@@ -4658,20 +5187,19 @@
             </a:pPr>
             <a:r>
               <a:rPr lang="zh-TW" altLang="en-US" sz="4400" b="1" dirty="0" smtClean="0">
-                <a:latin typeface="Microsoft JhengHei" pitchFamily="34" charset="-120"/>
-                <a:ea typeface="Microsoft JhengHei" pitchFamily="34" charset="-120"/>
-              </a:rPr>
-              <a:t>定睛</a:t>
-            </a:r>
-            <a:r>
-              <a:rPr lang="zh-TW" altLang="en-US" sz="4400" b="1" dirty="0" smtClean="0">
-                <a:latin typeface="Microsoft JhengHei" pitchFamily="34" charset="-120"/>
-                <a:ea typeface="Microsoft JhengHei" pitchFamily="34" charset="-120"/>
-              </a:rPr>
-              <a:t>在</a:t>
+                <a:solidFill>
+                  <a:srgbClr val="660033"/>
+                </a:solidFill>
+                <a:latin typeface="Microsoft JhengHei" pitchFamily="34" charset="-120"/>
+                <a:ea typeface="Microsoft JhengHei" pitchFamily="34" charset="-120"/>
+              </a:rPr>
+              <a:t>定睛在</a:t>
             </a:r>
             <a:r>
               <a:rPr lang="zh-CN" altLang="en-US" sz="4400" b="1" dirty="0" smtClean="0">
+                <a:solidFill>
+                  <a:srgbClr val="660033"/>
+                </a:solidFill>
                 <a:latin typeface="Microsoft JhengHei" pitchFamily="34" charset="-120"/>
                 <a:ea typeface="Microsoft JhengHei" pitchFamily="34" charset="-120"/>
               </a:rPr>
@@ -4679,6 +5207,9 @@
             </a:r>
             <a:r>
               <a:rPr lang="zh-TW" altLang="en-US" sz="4400" b="1" dirty="0" smtClean="0">
+                <a:solidFill>
+                  <a:srgbClr val="660033"/>
+                </a:solidFill>
                 <a:latin typeface="Microsoft JhengHei" pitchFamily="34" charset="-120"/>
                 <a:ea typeface="Microsoft JhengHei" pitchFamily="34" charset="-120"/>
               </a:rPr>
@@ -4686,6 +5217,9 @@
             </a:r>
             <a:r>
               <a:rPr lang="zh-TW" altLang="en-US" sz="4400" b="1" dirty="0">
+                <a:solidFill>
+                  <a:srgbClr val="660033"/>
+                </a:solidFill>
                 <a:latin typeface="Microsoft JhengHei" pitchFamily="34" charset="-120"/>
                 <a:ea typeface="Microsoft JhengHei" pitchFamily="34" charset="-120"/>
               </a:rPr>
@@ -4693,6 +5227,9 @@
             </a:r>
             <a:r>
               <a:rPr lang="zh-TW" altLang="en-US" sz="4400" b="1" dirty="0" smtClean="0">
+                <a:solidFill>
+                  <a:srgbClr val="660033"/>
+                </a:solidFill>
                 <a:latin typeface="Microsoft JhengHei" pitchFamily="34" charset="-120"/>
                 <a:ea typeface="Microsoft JhengHei" pitchFamily="34" charset="-120"/>
               </a:rPr>
@@ -4700,6 +5237,9 @@
             </a:r>
             <a:r>
               <a:rPr lang="zh-TW" altLang="en-US" sz="4400" b="1" dirty="0">
+                <a:solidFill>
+                  <a:srgbClr val="660033"/>
+                </a:solidFill>
                 <a:latin typeface="Microsoft JhengHei" pitchFamily="34" charset="-120"/>
                 <a:ea typeface="Microsoft JhengHei" pitchFamily="34" charset="-120"/>
               </a:rPr>
@@ -4707,12 +5247,18 @@
             </a:r>
             <a:r>
               <a:rPr lang="zh-TW" altLang="en-US" sz="4400" b="1" dirty="0" smtClean="0">
+                <a:solidFill>
+                  <a:srgbClr val="660033"/>
+                </a:solidFill>
                 <a:latin typeface="Microsoft JhengHei" pitchFamily="34" charset="-120"/>
                 <a:ea typeface="Microsoft JhengHei" pitchFamily="34" charset="-120"/>
               </a:rPr>
               <a:t>暗淡</a:t>
             </a:r>
             <a:endParaRPr lang="en-US" altLang="zh-TW" sz="4400" b="1" dirty="0" smtClean="0">
+              <a:solidFill>
+                <a:srgbClr val="660033"/>
+              </a:solidFill>
               <a:latin typeface="Microsoft JhengHei" pitchFamily="34" charset="-120"/>
               <a:ea typeface="Microsoft JhengHei" pitchFamily="34" charset="-120"/>
             </a:endParaRPr>
@@ -4723,6 +5269,9 @@
             </a:pPr>
             <a:r>
               <a:rPr lang="zh-TW" altLang="en-US" sz="4400" b="1" dirty="0" smtClean="0">
+                <a:solidFill>
+                  <a:srgbClr val="660033"/>
+                </a:solidFill>
                 <a:latin typeface="Microsoft JhengHei" pitchFamily="34" charset="-120"/>
                 <a:ea typeface="Microsoft JhengHei" pitchFamily="34" charset="-120"/>
               </a:rPr>
@@ -4730,6 +5279,9 @@
             </a:r>
             <a:r>
               <a:rPr lang="zh-CN" altLang="en-US" sz="4400" b="1" dirty="0" smtClean="0">
+                <a:solidFill>
+                  <a:srgbClr val="660033"/>
+                </a:solidFill>
                 <a:latin typeface="Microsoft JhengHei" pitchFamily="34" charset="-120"/>
                 <a:ea typeface="Microsoft JhengHei" pitchFamily="34" charset="-120"/>
               </a:rPr>
@@ -4737,20 +5289,19 @@
             </a:r>
             <a:r>
               <a:rPr lang="zh-TW" altLang="en-US" sz="4400" b="1" dirty="0" smtClean="0">
-                <a:latin typeface="Microsoft JhengHei" pitchFamily="34" charset="-120"/>
-                <a:ea typeface="Microsoft JhengHei" pitchFamily="34" charset="-120"/>
-              </a:rPr>
-              <a:t>以外  </a:t>
-            </a:r>
-            <a:r>
-              <a:rPr lang="zh-TW" altLang="en-US" sz="4400" b="1" dirty="0" smtClean="0">
-                <a:latin typeface="Microsoft JhengHei" pitchFamily="34" charset="-120"/>
-                <a:ea typeface="Microsoft JhengHei" pitchFamily="34" charset="-120"/>
-              </a:rPr>
-              <a:t>我</a:t>
+                <a:solidFill>
+                  <a:srgbClr val="660033"/>
+                </a:solidFill>
+                <a:latin typeface="Microsoft JhengHei" pitchFamily="34" charset="-120"/>
+                <a:ea typeface="Microsoft JhengHei" pitchFamily="34" charset="-120"/>
+              </a:rPr>
+              <a:t>以外  我</a:t>
             </a:r>
             <a:r>
               <a:rPr lang="zh-TW" altLang="en-US" sz="4400" b="1" dirty="0">
+                <a:solidFill>
+                  <a:srgbClr val="660033"/>
+                </a:solidFill>
                 <a:latin typeface="Microsoft JhengHei" pitchFamily="34" charset="-120"/>
                 <a:ea typeface="Microsoft JhengHei" pitchFamily="34" charset="-120"/>
               </a:rPr>
@@ -4810,6 +5361,9 @@
           <a:p>
             <a:r>
               <a:rPr lang="zh-TW" altLang="en-US" sz="4000" b="1" dirty="0">
+                <a:solidFill>
+                  <a:srgbClr val="660033"/>
+                </a:solidFill>
                 <a:latin typeface="Microsoft JhengHei" pitchFamily="34" charset="-120"/>
                 <a:ea typeface="Microsoft JhengHei" pitchFamily="34" charset="-120"/>
               </a:rPr>
@@ -4845,6 +5399,9 @@
             </a:pPr>
             <a:r>
               <a:rPr lang="zh-TW" altLang="en-US" sz="4400" b="1" dirty="0">
+                <a:solidFill>
+                  <a:srgbClr val="660033"/>
+                </a:solidFill>
                 <a:latin typeface="Microsoft JhengHei" pitchFamily="34" charset="-120"/>
                 <a:ea typeface="Microsoft JhengHei" pitchFamily="34" charset="-120"/>
               </a:rPr>
@@ -4852,6 +5409,9 @@
             </a:r>
             <a:r>
               <a:rPr lang="zh-TW" altLang="en-US" sz="4400" b="1" dirty="0" smtClean="0">
+                <a:solidFill>
+                  <a:srgbClr val="660033"/>
+                </a:solidFill>
                 <a:latin typeface="Microsoft JhengHei" pitchFamily="34" charset="-120"/>
                 <a:ea typeface="Microsoft JhengHei" pitchFamily="34" charset="-120"/>
               </a:rPr>
@@ -4859,6 +5419,9 @@
             </a:r>
             <a:r>
               <a:rPr lang="en-US" altLang="zh-TW" sz="4400" b="1" dirty="0" smtClean="0">
+                <a:solidFill>
+                  <a:srgbClr val="660033"/>
+                </a:solidFill>
                 <a:latin typeface="Microsoft JhengHei" pitchFamily="34" charset="-120"/>
                 <a:ea typeface="Microsoft JhengHei" pitchFamily="34" charset="-120"/>
               </a:rPr>
@@ -4866,6 +5429,9 @@
             </a:r>
             <a:r>
               <a:rPr lang="zh-TW" altLang="en-US" sz="4400" b="1" dirty="0" smtClean="0">
+                <a:solidFill>
+                  <a:srgbClr val="660033"/>
+                </a:solidFill>
                 <a:latin typeface="Microsoft JhengHei" pitchFamily="34" charset="-120"/>
                 <a:ea typeface="Microsoft JhengHei" pitchFamily="34" charset="-120"/>
               </a:rPr>
@@ -4873,6 +5439,9 @@
             </a:r>
             <a:r>
               <a:rPr lang="zh-TW" altLang="en-US" sz="4400" b="1" dirty="0">
+                <a:solidFill>
+                  <a:srgbClr val="660033"/>
+                </a:solidFill>
                 <a:latin typeface="Microsoft JhengHei" pitchFamily="34" charset="-120"/>
                 <a:ea typeface="Microsoft JhengHei" pitchFamily="34" charset="-120"/>
               </a:rPr>
@@ -4880,6 +5449,9 @@
             </a:r>
             <a:r>
               <a:rPr lang="zh-TW" altLang="en-US" sz="4400" b="1" dirty="0" smtClean="0">
+                <a:solidFill>
+                  <a:srgbClr val="660033"/>
+                </a:solidFill>
                 <a:latin typeface="Microsoft JhengHei" pitchFamily="34" charset="-120"/>
                 <a:ea typeface="Microsoft JhengHei" pitchFamily="34" charset="-120"/>
               </a:rPr>
@@ -4887,6 +5459,9 @@
             </a:r>
             <a:r>
               <a:rPr lang="zh-CN" altLang="en-US" sz="4400" b="1" dirty="0" smtClean="0">
+                <a:solidFill>
+                  <a:srgbClr val="660033"/>
+                </a:solidFill>
                 <a:latin typeface="Microsoft JhengHei" pitchFamily="34" charset="-120"/>
                 <a:ea typeface="Microsoft JhengHei" pitchFamily="34" charset="-120"/>
               </a:rPr>
@@ -4894,6 +5469,9 @@
             </a:r>
             <a:r>
               <a:rPr lang="zh-TW" altLang="en-US" sz="4400" b="1" dirty="0" smtClean="0">
+                <a:solidFill>
+                  <a:srgbClr val="660033"/>
+                </a:solidFill>
                 <a:latin typeface="Microsoft JhengHei" pitchFamily="34" charset="-120"/>
                 <a:ea typeface="Microsoft JhengHei" pitchFamily="34" charset="-120"/>
               </a:rPr>
@@ -4901,12 +5479,18 @@
             </a:r>
             <a:r>
               <a:rPr lang="zh-TW" altLang="en-US" sz="4400" b="1" dirty="0">
+                <a:solidFill>
+                  <a:srgbClr val="660033"/>
+                </a:solidFill>
                 <a:latin typeface="Microsoft JhengHei" pitchFamily="34" charset="-120"/>
                 <a:ea typeface="Microsoft JhengHei" pitchFamily="34" charset="-120"/>
               </a:rPr>
               <a:t>同在裡</a:t>
             </a:r>
             <a:endParaRPr lang="en-US" altLang="zh-TW" sz="4400" b="1" dirty="0">
+              <a:solidFill>
+                <a:srgbClr val="660033"/>
+              </a:solidFill>
               <a:latin typeface="Microsoft JhengHei" pitchFamily="34" charset="-120"/>
               <a:ea typeface="Microsoft JhengHei" pitchFamily="34" charset="-120"/>
             </a:endParaRPr>
@@ -4917,6 +5501,9 @@
             </a:pPr>
             <a:r>
               <a:rPr lang="zh-TW" altLang="en-US" sz="4400" b="1" dirty="0">
+                <a:solidFill>
+                  <a:srgbClr val="660033"/>
+                </a:solidFill>
                 <a:latin typeface="Microsoft JhengHei" pitchFamily="34" charset="-120"/>
                 <a:ea typeface="Microsoft JhengHei" pitchFamily="34" charset="-120"/>
               </a:rPr>
@@ -4924,6 +5511,9 @@
             </a:r>
             <a:r>
               <a:rPr lang="zh-TW" altLang="en-US" sz="4400" b="1" dirty="0" smtClean="0">
+                <a:solidFill>
+                  <a:srgbClr val="660033"/>
+                </a:solidFill>
                 <a:latin typeface="Microsoft JhengHei" pitchFamily="34" charset="-120"/>
                 <a:ea typeface="Microsoft JhengHei" pitchFamily="34" charset="-120"/>
               </a:rPr>
@@ -4931,6 +5521,9 @@
             </a:r>
             <a:r>
               <a:rPr lang="en-US" altLang="zh-TW" sz="4400" b="1" dirty="0" smtClean="0">
+                <a:solidFill>
+                  <a:srgbClr val="660033"/>
+                </a:solidFill>
                 <a:latin typeface="Microsoft JhengHei" pitchFamily="34" charset="-120"/>
                 <a:ea typeface="Microsoft JhengHei" pitchFamily="34" charset="-120"/>
               </a:rPr>
@@ -4938,6 +5531,9 @@
             </a:r>
             <a:r>
               <a:rPr lang="zh-TW" altLang="en-US" sz="4400" b="1" dirty="0" smtClean="0">
+                <a:solidFill>
+                  <a:srgbClr val="660033"/>
+                </a:solidFill>
                 <a:latin typeface="Microsoft JhengHei" pitchFamily="34" charset="-120"/>
                 <a:ea typeface="Microsoft JhengHei" pitchFamily="34" charset="-120"/>
               </a:rPr>
@@ -4945,6 +5541,9 @@
             </a:r>
             <a:r>
               <a:rPr lang="zh-TW" altLang="en-US" sz="4400" b="1" dirty="0">
+                <a:solidFill>
+                  <a:srgbClr val="660033"/>
+                </a:solidFill>
                 <a:latin typeface="Microsoft JhengHei" pitchFamily="34" charset="-120"/>
                 <a:ea typeface="Microsoft JhengHei" pitchFamily="34" charset="-120"/>
               </a:rPr>
@@ -4952,6 +5551,9 @@
             </a:r>
             <a:r>
               <a:rPr lang="zh-TW" altLang="en-US" sz="4400" b="1" dirty="0" smtClean="0">
+                <a:solidFill>
+                  <a:srgbClr val="660033"/>
+                </a:solidFill>
                 <a:latin typeface="Microsoft JhengHei" pitchFamily="34" charset="-120"/>
                 <a:ea typeface="Microsoft JhengHei" pitchFamily="34" charset="-120"/>
               </a:rPr>
@@ -4959,12 +5561,18 @@
             </a:r>
             <a:r>
               <a:rPr lang="zh-CN" altLang="en-US" sz="4400" b="1" dirty="0" smtClean="0">
+                <a:solidFill>
+                  <a:srgbClr val="660033"/>
+                </a:solidFill>
                 <a:latin typeface="Microsoft JhengHei" pitchFamily="34" charset="-120"/>
                 <a:ea typeface="Microsoft JhengHei" pitchFamily="34" charset="-120"/>
               </a:rPr>
               <a:t>袮</a:t>
             </a:r>
             <a:endParaRPr lang="en-US" altLang="zh-TW" sz="4400" b="1" dirty="0" smtClean="0">
+              <a:solidFill>
+                <a:srgbClr val="660033"/>
+              </a:solidFill>
               <a:latin typeface="Microsoft JhengHei" pitchFamily="34" charset="-120"/>
               <a:ea typeface="Microsoft JhengHei" pitchFamily="34" charset="-120"/>
             </a:endParaRPr>
@@ -4975,6 +5583,9 @@
             </a:pPr>
             <a:r>
               <a:rPr lang="zh-TW" altLang="en-US" sz="4400" b="1" dirty="0">
+                <a:solidFill>
+                  <a:srgbClr val="660033"/>
+                </a:solidFill>
                 <a:latin typeface="Microsoft JhengHei" pitchFamily="34" charset="-120"/>
                 <a:ea typeface="Microsoft JhengHei" pitchFamily="34" charset="-120"/>
               </a:rPr>
@@ -4982,6 +5593,9 @@
             </a:r>
             <a:r>
               <a:rPr lang="zh-TW" altLang="en-US" sz="4400" b="1" dirty="0" smtClean="0">
+                <a:solidFill>
+                  <a:srgbClr val="660033"/>
+                </a:solidFill>
                 <a:latin typeface="Microsoft JhengHei" pitchFamily="34" charset="-120"/>
                 <a:ea typeface="Microsoft JhengHei" pitchFamily="34" charset="-120"/>
               </a:rPr>
@@ -4989,6 +5603,9 @@
             </a:r>
             <a:r>
               <a:rPr lang="zh-CN" altLang="en-US" sz="4400" b="1" dirty="0" smtClean="0">
+                <a:solidFill>
+                  <a:srgbClr val="660033"/>
+                </a:solidFill>
                 <a:latin typeface="Microsoft JhengHei" pitchFamily="34" charset="-120"/>
                 <a:ea typeface="Microsoft JhengHei" pitchFamily="34" charset="-120"/>
               </a:rPr>
@@ -4996,6 +5613,9 @@
             </a:r>
             <a:r>
               <a:rPr lang="zh-TW" altLang="en-US" sz="4400" b="1" dirty="0" smtClean="0">
+                <a:solidFill>
+                  <a:srgbClr val="660033"/>
+                </a:solidFill>
                 <a:latin typeface="Microsoft JhengHei" pitchFamily="34" charset="-120"/>
                 <a:ea typeface="Microsoft JhengHei" pitchFamily="34" charset="-120"/>
               </a:rPr>
@@ -5003,12 +5623,18 @@
             </a:r>
             <a:r>
               <a:rPr lang="zh-TW" altLang="en-US" sz="4400" b="1" dirty="0">
+                <a:solidFill>
+                  <a:srgbClr val="660033"/>
+                </a:solidFill>
                 <a:latin typeface="Microsoft JhengHei" pitchFamily="34" charset="-120"/>
                 <a:ea typeface="Microsoft JhengHei" pitchFamily="34" charset="-120"/>
               </a:rPr>
               <a:t>中</a:t>
             </a:r>
             <a:endParaRPr lang="en-US" altLang="zh-TW" sz="4400" b="1" dirty="0">
+              <a:solidFill>
+                <a:srgbClr val="660033"/>
+              </a:solidFill>
               <a:latin typeface="Microsoft JhengHei" pitchFamily="34" charset="-120"/>
               <a:ea typeface="Microsoft JhengHei" pitchFamily="34" charset="-120"/>
             </a:endParaRPr>
@@ -5019,6 +5645,9 @@
             </a:pPr>
             <a:r>
               <a:rPr lang="zh-TW" altLang="en-US" sz="4400" b="1" dirty="0">
+                <a:solidFill>
+                  <a:srgbClr val="660033"/>
+                </a:solidFill>
                 <a:latin typeface="Microsoft JhengHei" pitchFamily="34" charset="-120"/>
                 <a:ea typeface="Microsoft JhengHei" pitchFamily="34" charset="-120"/>
               </a:rPr>
@@ -5026,6 +5655,9 @@
             </a:r>
             <a:r>
               <a:rPr lang="zh-TW" altLang="en-US" sz="4400" b="1" dirty="0" smtClean="0">
+                <a:solidFill>
+                  <a:srgbClr val="660033"/>
+                </a:solidFill>
                 <a:latin typeface="Microsoft JhengHei" pitchFamily="34" charset="-120"/>
                 <a:ea typeface="Microsoft JhengHei" pitchFamily="34" charset="-120"/>
               </a:rPr>
@@ -5033,12 +5665,18 @@
             </a:r>
             <a:r>
               <a:rPr lang="zh-CN" altLang="en-US" sz="4400" b="1" dirty="0" smtClean="0">
+                <a:solidFill>
+                  <a:srgbClr val="660033"/>
+                </a:solidFill>
                 <a:latin typeface="Microsoft JhengHei" pitchFamily="34" charset="-120"/>
                 <a:ea typeface="Microsoft JhengHei" pitchFamily="34" charset="-120"/>
               </a:rPr>
               <a:t>袮</a:t>
             </a:r>
             <a:endParaRPr lang="zh-TW" altLang="en-US" sz="4400" b="1" dirty="0">
+              <a:solidFill>
+                <a:srgbClr val="660033"/>
+              </a:solidFill>
               <a:latin typeface="Microsoft JhengHei" pitchFamily="34" charset="-120"/>
               <a:ea typeface="Microsoft JhengHei" pitchFamily="34" charset="-120"/>
             </a:endParaRPr>
@@ -5050,6 +5688,13 @@
   <p:clrMapOvr>
     <a:masterClrMapping/>
   </p:clrMapOvr>
+  <p:timing>
+    <p:tnLst>
+      <p:par>
+        <p:cTn id="1" dur="indefinite" restart="never" nodeType="tmRoot"/>
+      </p:par>
+    </p:tnLst>
+  </p:timing>
 </p:sld>
 </file>
 
@@ -5089,6 +5734,9 @@
           <a:p>
             <a:r>
               <a:rPr lang="zh-TW" altLang="en-US" sz="4000" b="1" dirty="0">
+                <a:solidFill>
+                  <a:srgbClr val="660033"/>
+                </a:solidFill>
                 <a:latin typeface="Microsoft JhengHei" pitchFamily="34" charset="-120"/>
                 <a:ea typeface="Microsoft JhengHei" pitchFamily="34" charset="-120"/>
               </a:rPr>
@@ -5124,6 +5772,9 @@
             </a:pPr>
             <a:r>
               <a:rPr lang="zh-TW" altLang="en-US" sz="4400" b="1" dirty="0">
+                <a:solidFill>
+                  <a:srgbClr val="660033"/>
+                </a:solidFill>
                 <a:latin typeface="Microsoft JhengHei" pitchFamily="34" charset="-120"/>
                 <a:ea typeface="Microsoft JhengHei" pitchFamily="34" charset="-120"/>
               </a:rPr>
@@ -5131,6 +5782,9 @@
             </a:r>
             <a:r>
               <a:rPr lang="zh-TW" altLang="en-US" sz="4400" b="1" dirty="0" smtClean="0">
+                <a:solidFill>
+                  <a:srgbClr val="660033"/>
+                </a:solidFill>
                 <a:latin typeface="Microsoft JhengHei" pitchFamily="34" charset="-120"/>
                 <a:ea typeface="Microsoft JhengHei" pitchFamily="34" charset="-120"/>
               </a:rPr>
@@ -5138,6 +5792,9 @@
             </a:r>
             <a:r>
               <a:rPr lang="en-US" altLang="zh-TW" sz="4400" b="1" dirty="0" smtClean="0">
+                <a:solidFill>
+                  <a:srgbClr val="660033"/>
+                </a:solidFill>
                 <a:latin typeface="Microsoft JhengHei" pitchFamily="34" charset="-120"/>
                 <a:ea typeface="Microsoft JhengHei" pitchFamily="34" charset="-120"/>
               </a:rPr>
@@ -5145,6 +5802,9 @@
             </a:r>
             <a:r>
               <a:rPr lang="zh-TW" altLang="en-US" sz="4400" b="1" dirty="0" smtClean="0">
+                <a:solidFill>
+                  <a:srgbClr val="660033"/>
+                </a:solidFill>
                 <a:latin typeface="Microsoft JhengHei" pitchFamily="34" charset="-120"/>
                 <a:ea typeface="Microsoft JhengHei" pitchFamily="34" charset="-120"/>
               </a:rPr>
@@ -5152,6 +5812,9 @@
             </a:r>
             <a:r>
               <a:rPr lang="zh-TW" altLang="en-US" sz="4400" b="1" dirty="0">
+                <a:solidFill>
+                  <a:srgbClr val="660033"/>
+                </a:solidFill>
                 <a:latin typeface="Microsoft JhengHei" pitchFamily="34" charset="-120"/>
                 <a:ea typeface="Microsoft JhengHei" pitchFamily="34" charset="-120"/>
               </a:rPr>
@@ -5159,6 +5822,9 @@
             </a:r>
             <a:r>
               <a:rPr lang="zh-TW" altLang="en-US" sz="4400" b="1" dirty="0" smtClean="0">
+                <a:solidFill>
+                  <a:srgbClr val="660033"/>
+                </a:solidFill>
                 <a:latin typeface="Microsoft JhengHei" pitchFamily="34" charset="-120"/>
                 <a:ea typeface="Microsoft JhengHei" pitchFamily="34" charset="-120"/>
               </a:rPr>
@@ -5166,6 +5832,9 @@
             </a:r>
             <a:r>
               <a:rPr lang="zh-CN" altLang="en-US" sz="4400" b="1" dirty="0" smtClean="0">
+                <a:solidFill>
+                  <a:srgbClr val="660033"/>
+                </a:solidFill>
                 <a:latin typeface="Microsoft JhengHei" pitchFamily="34" charset="-120"/>
                 <a:ea typeface="Microsoft JhengHei" pitchFamily="34" charset="-120"/>
               </a:rPr>
@@ -5173,6 +5842,9 @@
             </a:r>
             <a:r>
               <a:rPr lang="zh-TW" altLang="en-US" sz="4400" b="1" dirty="0" smtClean="0">
+                <a:solidFill>
+                  <a:srgbClr val="660033"/>
+                </a:solidFill>
                 <a:latin typeface="Microsoft JhengHei" pitchFamily="34" charset="-120"/>
                 <a:ea typeface="Microsoft JhengHei" pitchFamily="34" charset="-120"/>
               </a:rPr>
@@ -5180,12 +5852,18 @@
             </a:r>
             <a:r>
               <a:rPr lang="zh-TW" altLang="en-US" sz="4400" b="1" dirty="0">
+                <a:solidFill>
+                  <a:srgbClr val="660033"/>
+                </a:solidFill>
                 <a:latin typeface="Microsoft JhengHei" pitchFamily="34" charset="-120"/>
                 <a:ea typeface="Microsoft JhengHei" pitchFamily="34" charset="-120"/>
               </a:rPr>
               <a:t>同在裡</a:t>
             </a:r>
             <a:endParaRPr lang="en-US" altLang="zh-TW" sz="4400" b="1" dirty="0">
+              <a:solidFill>
+                <a:srgbClr val="660033"/>
+              </a:solidFill>
               <a:latin typeface="Microsoft JhengHei" pitchFamily="34" charset="-120"/>
               <a:ea typeface="Microsoft JhengHei" pitchFamily="34" charset="-120"/>
             </a:endParaRPr>
@@ -5196,6 +5874,9 @@
             </a:pPr>
             <a:r>
               <a:rPr lang="zh-TW" altLang="en-US" sz="4400" b="1" dirty="0">
+                <a:solidFill>
+                  <a:srgbClr val="660033"/>
+                </a:solidFill>
                 <a:latin typeface="Microsoft JhengHei" pitchFamily="34" charset="-120"/>
                 <a:ea typeface="Microsoft JhengHei" pitchFamily="34" charset="-120"/>
               </a:rPr>
@@ -5203,6 +5884,9 @@
             </a:r>
             <a:r>
               <a:rPr lang="zh-TW" altLang="en-US" sz="4400" b="1" dirty="0" smtClean="0">
+                <a:solidFill>
+                  <a:srgbClr val="660033"/>
+                </a:solidFill>
                 <a:latin typeface="Microsoft JhengHei" pitchFamily="34" charset="-120"/>
                 <a:ea typeface="Microsoft JhengHei" pitchFamily="34" charset="-120"/>
               </a:rPr>
@@ -5210,6 +5894,9 @@
             </a:r>
             <a:r>
               <a:rPr lang="en-US" altLang="zh-TW" sz="4400" b="1" dirty="0" smtClean="0">
+                <a:solidFill>
+                  <a:srgbClr val="660033"/>
+                </a:solidFill>
                 <a:latin typeface="Microsoft JhengHei" pitchFamily="34" charset="-120"/>
                 <a:ea typeface="Microsoft JhengHei" pitchFamily="34" charset="-120"/>
               </a:rPr>
@@ -5217,6 +5904,9 @@
             </a:r>
             <a:r>
               <a:rPr lang="zh-TW" altLang="en-US" sz="4400" b="1" dirty="0" smtClean="0">
+                <a:solidFill>
+                  <a:srgbClr val="660033"/>
+                </a:solidFill>
                 <a:latin typeface="Microsoft JhengHei" pitchFamily="34" charset="-120"/>
                 <a:ea typeface="Microsoft JhengHei" pitchFamily="34" charset="-120"/>
               </a:rPr>
@@ -5224,6 +5914,9 @@
             </a:r>
             <a:r>
               <a:rPr lang="zh-TW" altLang="en-US" sz="4400" b="1" dirty="0">
+                <a:solidFill>
+                  <a:srgbClr val="660033"/>
+                </a:solidFill>
                 <a:latin typeface="Microsoft JhengHei" pitchFamily="34" charset="-120"/>
                 <a:ea typeface="Microsoft JhengHei" pitchFamily="34" charset="-120"/>
               </a:rPr>
@@ -5231,6 +5924,9 @@
             </a:r>
             <a:r>
               <a:rPr lang="zh-TW" altLang="en-US" sz="4400" b="1" dirty="0" smtClean="0">
+                <a:solidFill>
+                  <a:srgbClr val="660033"/>
+                </a:solidFill>
                 <a:latin typeface="Microsoft JhengHei" pitchFamily="34" charset="-120"/>
                 <a:ea typeface="Microsoft JhengHei" pitchFamily="34" charset="-120"/>
               </a:rPr>
@@ -5238,12 +5934,18 @@
             </a:r>
             <a:r>
               <a:rPr lang="zh-CN" altLang="en-US" sz="4400" b="1" dirty="0" smtClean="0">
+                <a:solidFill>
+                  <a:srgbClr val="660033"/>
+                </a:solidFill>
                 <a:latin typeface="Microsoft JhengHei" pitchFamily="34" charset="-120"/>
                 <a:ea typeface="Microsoft JhengHei" pitchFamily="34" charset="-120"/>
               </a:rPr>
               <a:t>袮</a:t>
             </a:r>
             <a:endParaRPr lang="en-US" altLang="zh-TW" sz="4400" b="1" dirty="0" smtClean="0">
+              <a:solidFill>
+                <a:srgbClr val="660033"/>
+              </a:solidFill>
               <a:latin typeface="Microsoft JhengHei" pitchFamily="34" charset="-120"/>
               <a:ea typeface="Microsoft JhengHei" pitchFamily="34" charset="-120"/>
             </a:endParaRPr>
@@ -5253,21 +5955,20 @@
               <a:buNone/>
             </a:pPr>
             <a:r>
-              <a:rPr lang="zh-TW" altLang="en-US" sz="4400" b="1" dirty="0">
-                <a:latin typeface="Microsoft JhengHei" pitchFamily="34" charset="-120"/>
-                <a:ea typeface="Microsoft JhengHei" pitchFamily="34" charset="-120"/>
-              </a:rPr>
-              <a:t>我哪都不想去 只想日夜</a:t>
-            </a:r>
-            <a:r>
-              <a:rPr lang="zh-TW" altLang="en-US" sz="4400" b="1" dirty="0" smtClean="0">
-                <a:latin typeface="Microsoft JhengHei" pitchFamily="34" charset="-120"/>
-                <a:ea typeface="Microsoft JhengHei" pitchFamily="34" charset="-120"/>
-              </a:rPr>
-              <a:t>在</a:t>
+              <a:rPr lang="zh-TW" altLang="en-US" sz="4400" b="1" dirty="0" smtClean="0">
+                <a:solidFill>
+                  <a:srgbClr val="660033"/>
+                </a:solidFill>
+                <a:latin typeface="Microsoft JhengHei" pitchFamily="34" charset="-120"/>
+                <a:ea typeface="Microsoft JhengHei" pitchFamily="34" charset="-120"/>
+              </a:rPr>
+              <a:t>我哪都不想去 只想日夜在</a:t>
             </a:r>
             <a:r>
               <a:rPr lang="zh-CN" altLang="en-US" sz="4400" b="1" dirty="0" smtClean="0">
+                <a:solidFill>
+                  <a:srgbClr val="660033"/>
+                </a:solidFill>
                 <a:latin typeface="Microsoft JhengHei" pitchFamily="34" charset="-120"/>
                 <a:ea typeface="Microsoft JhengHei" pitchFamily="34" charset="-120"/>
               </a:rPr>
@@ -5275,19 +5976,18 @@
             </a:r>
             <a:r>
               <a:rPr lang="zh-TW" altLang="en-US" sz="4400" b="1" dirty="0" smtClean="0">
-                <a:latin typeface="Microsoft JhengHei" pitchFamily="34" charset="-120"/>
-                <a:ea typeface="Microsoft JhengHei" pitchFamily="34" charset="-120"/>
-              </a:rPr>
-              <a:t>殿</a:t>
-            </a:r>
-            <a:r>
-              <a:rPr lang="zh-TW" altLang="en-US" sz="4400" b="1" dirty="0">
-                <a:latin typeface="Microsoft JhengHei" pitchFamily="34" charset="-120"/>
-                <a:ea typeface="Microsoft JhengHei" pitchFamily="34" charset="-120"/>
-              </a:rPr>
-              <a:t>中</a:t>
-            </a:r>
-            <a:endParaRPr lang="en-US" altLang="zh-TW" sz="4400" b="1" dirty="0">
+                <a:solidFill>
+                  <a:srgbClr val="660033"/>
+                </a:solidFill>
+                <a:latin typeface="Microsoft JhengHei" pitchFamily="34" charset="-120"/>
+                <a:ea typeface="Microsoft JhengHei" pitchFamily="34" charset="-120"/>
+              </a:rPr>
+              <a:t>殿中</a:t>
+            </a:r>
+            <a:endParaRPr lang="en-US" altLang="zh-TW" sz="4400" b="1" dirty="0" smtClean="0">
+              <a:solidFill>
+                <a:srgbClr val="660033"/>
+              </a:solidFill>
               <a:latin typeface="Microsoft JhengHei" pitchFamily="34" charset="-120"/>
               <a:ea typeface="Microsoft JhengHei" pitchFamily="34" charset="-120"/>
             </a:endParaRPr>
@@ -5297,27 +5997,29 @@
               <a:buNone/>
             </a:pPr>
             <a:r>
-              <a:rPr lang="zh-TW" altLang="en-US" sz="4400" b="1" dirty="0">
-                <a:latin typeface="Microsoft JhengHei" pitchFamily="34" charset="-120"/>
-                <a:ea typeface="Microsoft JhengHei" pitchFamily="34" charset="-120"/>
-              </a:rPr>
-              <a:t>獻上敬拜  全心全意來</a:t>
-            </a:r>
-            <a:r>
-              <a:rPr lang="zh-TW" altLang="en-US" sz="4400" b="1" dirty="0" smtClean="0">
-                <a:latin typeface="Microsoft JhengHei" pitchFamily="34" charset="-120"/>
-                <a:ea typeface="Microsoft JhengHei" pitchFamily="34" charset="-120"/>
-              </a:rPr>
-              <a:t>愛</a:t>
+              <a:rPr lang="zh-TW" altLang="en-US" sz="4400" b="1" dirty="0" smtClean="0">
+                <a:solidFill>
+                  <a:srgbClr val="660033"/>
+                </a:solidFill>
+                <a:latin typeface="Microsoft JhengHei" pitchFamily="34" charset="-120"/>
+                <a:ea typeface="Microsoft JhengHei" pitchFamily="34" charset="-120"/>
+              </a:rPr>
+              <a:t>獻上敬拜  全心全意來愛</a:t>
             </a:r>
             <a:r>
               <a:rPr lang="zh-CN" altLang="en-US" sz="4400" b="1" dirty="0" smtClean="0">
+                <a:solidFill>
+                  <a:srgbClr val="660033"/>
+                </a:solidFill>
                 <a:latin typeface="Microsoft JhengHei" pitchFamily="34" charset="-120"/>
                 <a:ea typeface="Microsoft JhengHei" pitchFamily="34" charset="-120"/>
               </a:rPr>
               <a:t>袮</a:t>
             </a:r>
             <a:endParaRPr lang="zh-TW" altLang="en-US" sz="4400" b="1" dirty="0">
+              <a:solidFill>
+                <a:srgbClr val="660033"/>
+              </a:solidFill>
               <a:latin typeface="Microsoft JhengHei" pitchFamily="34" charset="-120"/>
               <a:ea typeface="Microsoft JhengHei" pitchFamily="34" charset="-120"/>
             </a:endParaRPr>
@@ -5329,6 +6031,13 @@
   <p:clrMapOvr>
     <a:masterClrMapping/>
   </p:clrMapOvr>
+  <p:timing>
+    <p:tnLst>
+      <p:par>
+        <p:cTn id="1" dur="indefinite" restart="never" nodeType="tmRoot"/>
+      </p:par>
+    </p:tnLst>
+  </p:timing>
 </p:sld>
 </file>
 
@@ -5365,41 +6074,19 @@
           <a:lstStyle/>
           <a:p>
             <a:r>
-              <a:rPr lang="zh-TW" altLang="en-US" sz="4000" b="1" dirty="0">
-                <a:solidFill>
-                  <a:srgbClr val="002060"/>
-                </a:solidFill>
-                <a:latin typeface="微軟正黑體" pitchFamily="34" charset="-120"/>
-                <a:ea typeface="微軟正黑體" pitchFamily="34" charset="-120"/>
-              </a:rPr>
-              <a:t>一生</a:t>
-            </a:r>
-            <a:r>
-              <a:rPr lang="zh-TW" altLang="en-US" sz="4000" b="1" dirty="0" smtClean="0">
-                <a:solidFill>
-                  <a:srgbClr val="002060"/>
-                </a:solidFill>
-                <a:latin typeface="微軟正黑體" pitchFamily="34" charset="-120"/>
-                <a:ea typeface="微軟正黑體" pitchFamily="34" charset="-120"/>
-              </a:rPr>
-              <a:t>愛</a:t>
-            </a:r>
-            <a:r>
-              <a:rPr lang="zh-CN" altLang="en-US" sz="4000" b="1" dirty="0" smtClean="0">
-                <a:solidFill>
-                  <a:srgbClr val="002060"/>
-                </a:solidFill>
-                <a:latin typeface="微軟正黑體" pitchFamily="34" charset="-120"/>
-                <a:ea typeface="微軟正黑體" pitchFamily="34" charset="-120"/>
-              </a:rPr>
-              <a:t>袮</a:t>
-            </a:r>
-            <a:endParaRPr lang="zh-TW" altLang="en-US" sz="4000" b="1" dirty="0">
+              <a:rPr lang="zh-TW" altLang="en-US" b="1" dirty="0" smtClean="0">
+                <a:solidFill>
+                  <a:srgbClr val="660033"/>
+                </a:solidFill>
+                <a:latin typeface="Microsoft JhengHei" pitchFamily="34" charset="-120"/>
+                <a:ea typeface="Microsoft JhengHei" pitchFamily="34" charset="-120"/>
+              </a:rPr>
+              <a:t>能不能</a:t>
+            </a:r>
+            <a:endParaRPr lang="zh-TW" altLang="en-US" dirty="0">
               <a:solidFill>
-                <a:srgbClr val="002060"/>
+                <a:srgbClr val="660033"/>
               </a:solidFill>
-              <a:latin typeface="微軟正黑體" pitchFamily="34" charset="-120"/>
-              <a:ea typeface="微軟正黑體" pitchFamily="34" charset="-120"/>
             </a:endParaRPr>
           </a:p>
         </p:txBody>
@@ -5417,7 +6104,7 @@
         <p:spPr/>
         <p:txBody>
           <a:bodyPr>
-            <a:noAutofit/>
+            <a:normAutofit/>
           </a:bodyPr>
           <a:lstStyle/>
           <a:p>
@@ -5425,31 +6112,21 @@
               <a:buNone/>
             </a:pPr>
             <a:r>
-              <a:rPr lang="zh-TW" altLang="en-US" sz="4400" b="1" dirty="0">
-                <a:solidFill>
-                  <a:srgbClr val="002060"/>
-                </a:solidFill>
-                <a:latin typeface="微軟正黑體" pitchFamily="34" charset="-120"/>
-                <a:ea typeface="微軟正黑體" pitchFamily="34" charset="-120"/>
-              </a:rPr>
-              <a:t>親愛的寶貴</a:t>
-            </a:r>
-            <a:r>
-              <a:rPr lang="zh-TW" altLang="en-US" sz="4400" b="1" dirty="0" smtClean="0">
-                <a:solidFill>
-                  <a:srgbClr val="002060"/>
-                </a:solidFill>
-                <a:latin typeface="微軟正黑體" pitchFamily="34" charset="-120"/>
-                <a:ea typeface="微軟正黑體" pitchFamily="34" charset="-120"/>
-              </a:rPr>
-              <a:t>耶穌</a:t>
+              <a:rPr lang="zh-TW" altLang="en-US" sz="4400" b="1" dirty="0" smtClean="0">
+                <a:solidFill>
+                  <a:srgbClr val="660033"/>
+                </a:solidFill>
+                <a:latin typeface="Microsoft JhengHei" pitchFamily="34" charset="-120"/>
+                <a:ea typeface="Microsoft JhengHei" pitchFamily="34" charset="-120"/>
+              </a:rPr>
+              <a:t>我哪都不想去 </a:t>
             </a:r>
             <a:endParaRPr lang="en-US" altLang="zh-TW" sz="4400" b="1" dirty="0" smtClean="0">
               <a:solidFill>
-                <a:srgbClr val="002060"/>
+                <a:srgbClr val="660033"/>
               </a:solidFill>
-              <a:latin typeface="微軟正黑體" pitchFamily="34" charset="-120"/>
-              <a:ea typeface="微軟正黑體" pitchFamily="34" charset="-120"/>
+              <a:latin typeface="Microsoft JhengHei" pitchFamily="34" charset="-120"/>
+              <a:ea typeface="Microsoft JhengHei" pitchFamily="34" charset="-120"/>
             </a:endParaRPr>
           </a:p>
           <a:p>
@@ -5457,113 +6134,41 @@
               <a:buNone/>
             </a:pPr>
             <a:r>
+              <a:rPr lang="zh-TW" altLang="en-US" sz="4400" b="1" dirty="0" smtClean="0">
+                <a:solidFill>
+                  <a:srgbClr val="660033"/>
+                </a:solidFill>
+                <a:latin typeface="Microsoft JhengHei" pitchFamily="34" charset="-120"/>
+                <a:ea typeface="Microsoft JhengHei" pitchFamily="34" charset="-120"/>
+              </a:rPr>
+              <a:t>只想日夜在</a:t>
+            </a:r>
+            <a:r>
               <a:rPr lang="zh-CN" altLang="en-US" sz="4400" b="1" dirty="0" smtClean="0">
                 <a:solidFill>
-                  <a:srgbClr val="002060"/>
-                </a:solidFill>
-                <a:latin typeface="微軟正黑體" pitchFamily="34" charset="-120"/>
-                <a:ea typeface="微軟正黑體" pitchFamily="34" charset="-120"/>
+                  <a:srgbClr val="660033"/>
+                </a:solidFill>
+                <a:latin typeface="Microsoft JhengHei" pitchFamily="34" charset="-120"/>
+                <a:ea typeface="Microsoft JhengHei" pitchFamily="34" charset="-120"/>
               </a:rPr>
               <a:t>袮</a:t>
             </a:r>
             <a:r>
               <a:rPr lang="zh-TW" altLang="en-US" sz="4400" b="1" dirty="0" smtClean="0">
                 <a:solidFill>
-                  <a:srgbClr val="002060"/>
-                </a:solidFill>
-                <a:latin typeface="微軟正黑體" pitchFamily="34" charset="-120"/>
-                <a:ea typeface="微軟正黑體" pitchFamily="34" charset="-120"/>
-              </a:rPr>
-              <a:t>愛</a:t>
-            </a:r>
-            <a:r>
-              <a:rPr lang="zh-TW" altLang="en-US" sz="4400" b="1" dirty="0">
-                <a:solidFill>
-                  <a:srgbClr val="002060"/>
-                </a:solidFill>
-                <a:latin typeface="微軟正黑體" pitchFamily="34" charset="-120"/>
-                <a:ea typeface="微軟正黑體" pitchFamily="34" charset="-120"/>
-              </a:rPr>
-              <a:t>何等地</a:t>
-            </a:r>
-            <a:r>
-              <a:rPr lang="zh-TW" altLang="en-US" sz="4400" b="1" dirty="0" smtClean="0">
-                <a:solidFill>
-                  <a:srgbClr val="002060"/>
-                </a:solidFill>
-                <a:latin typeface="微軟正黑體" pitchFamily="34" charset="-120"/>
-                <a:ea typeface="微軟正黑體" pitchFamily="34" charset="-120"/>
-              </a:rPr>
-              <a:t>甘甜</a:t>
-            </a:r>
-            <a:endParaRPr lang="en-US" altLang="zh-TW" sz="4400" b="1" dirty="0">
-              <a:solidFill>
-                <a:srgbClr val="002060"/>
-              </a:solidFill>
-              <a:latin typeface="微軟正黑體" pitchFamily="34" charset="-120"/>
-              <a:ea typeface="微軟正黑體" pitchFamily="34" charset="-120"/>
-            </a:endParaRPr>
-          </a:p>
-          <a:p>
-            <a:pPr algn="ctr">
-              <a:buNone/>
-            </a:pPr>
-            <a:r>
-              <a:rPr lang="zh-TW" altLang="en-US" sz="4400" b="1" dirty="0" smtClean="0">
-                <a:solidFill>
-                  <a:srgbClr val="002060"/>
-                </a:solidFill>
-                <a:latin typeface="微軟正黑體" pitchFamily="34" charset="-120"/>
-                <a:ea typeface="微軟正黑體" pitchFamily="34" charset="-120"/>
-              </a:rPr>
-              <a:t>我</a:t>
-            </a:r>
-            <a:r>
-              <a:rPr lang="zh-TW" altLang="en-US" sz="4400" b="1" dirty="0">
-                <a:solidFill>
-                  <a:srgbClr val="002060"/>
-                </a:solidFill>
-                <a:latin typeface="微軟正黑體" pitchFamily="34" charset="-120"/>
-                <a:ea typeface="微軟正黑體" pitchFamily="34" charset="-120"/>
-              </a:rPr>
-              <a:t>的心深深</a:t>
-            </a:r>
-            <a:r>
-              <a:rPr lang="zh-TW" altLang="en-US" sz="4400" b="1" dirty="0" smtClean="0">
-                <a:solidFill>
-                  <a:srgbClr val="002060"/>
-                </a:solidFill>
-                <a:latin typeface="微軟正黑體" pitchFamily="34" charset="-120"/>
-                <a:ea typeface="微軟正黑體" pitchFamily="34" charset="-120"/>
-              </a:rPr>
-              <a:t>被</a:t>
-            </a:r>
-            <a:r>
-              <a:rPr lang="zh-CN" altLang="en-US" sz="4400" b="1" dirty="0" smtClean="0">
-                <a:solidFill>
-                  <a:srgbClr val="002060"/>
-                </a:solidFill>
-                <a:latin typeface="微軟正黑體" pitchFamily="34" charset="-120"/>
-                <a:ea typeface="微軟正黑體" pitchFamily="34" charset="-120"/>
-              </a:rPr>
-              <a:t>袮</a:t>
-            </a:r>
-            <a:r>
-              <a:rPr lang="zh-TW" altLang="en-US" sz="4400" b="1" dirty="0" smtClean="0">
-                <a:solidFill>
-                  <a:srgbClr val="002060"/>
-                </a:solidFill>
-                <a:latin typeface="微軟正黑體" pitchFamily="34" charset="-120"/>
-                <a:ea typeface="微軟正黑體" pitchFamily="34" charset="-120"/>
-              </a:rPr>
-              <a:t>吸引</a:t>
+                  <a:srgbClr val="660033"/>
+                </a:solidFill>
+                <a:latin typeface="Microsoft JhengHei" pitchFamily="34" charset="-120"/>
+                <a:ea typeface="Microsoft JhengHei" pitchFamily="34" charset="-120"/>
+              </a:rPr>
+              <a:t>殿中</a:t>
             </a:r>
             <a:endParaRPr lang="en-US" altLang="zh-TW" sz="4400" b="1" dirty="0" smtClean="0">
               <a:solidFill>
-                <a:srgbClr val="002060"/>
+                <a:srgbClr val="660033"/>
               </a:solidFill>
-              <a:latin typeface="微軟正黑體" pitchFamily="34" charset="-120"/>
-              <a:ea typeface="微軟正黑體" pitchFamily="34" charset="-120"/>
+              <a:latin typeface="Microsoft JhengHei" pitchFamily="34" charset="-120"/>
+              <a:ea typeface="Microsoft JhengHei" pitchFamily="34" charset="-120"/>
             </a:endParaRPr>
           </a:p>
           <a:p>
@@ -5573,59 +6178,38 @@
             <a:r>
               <a:rPr lang="zh-TW" altLang="en-US" sz="4400" b="1" dirty="0" smtClean="0">
                 <a:solidFill>
-                  <a:srgbClr val="002060"/>
-                </a:solidFill>
-                <a:latin typeface="微軟正黑體" pitchFamily="34" charset="-120"/>
-                <a:ea typeface="微軟正黑體" pitchFamily="34" charset="-120"/>
-              </a:rPr>
-              <a:t>愛</a:t>
+                  <a:srgbClr val="660033"/>
+                </a:solidFill>
+                <a:latin typeface="Microsoft JhengHei" pitchFamily="34" charset="-120"/>
+                <a:ea typeface="Microsoft JhengHei" pitchFamily="34" charset="-120"/>
+              </a:rPr>
+              <a:t>獻上敬拜  全心全意來愛</a:t>
             </a:r>
             <a:r>
               <a:rPr lang="zh-CN" altLang="en-US" sz="4400" b="1" dirty="0" smtClean="0">
                 <a:solidFill>
-                  <a:srgbClr val="002060"/>
-                </a:solidFill>
-                <a:latin typeface="微軟正黑體" pitchFamily="34" charset="-120"/>
-                <a:ea typeface="微軟正黑體" pitchFamily="34" charset="-120"/>
+                  <a:srgbClr val="660033"/>
+                </a:solidFill>
+                <a:latin typeface="Microsoft JhengHei" pitchFamily="34" charset="-120"/>
+                <a:ea typeface="Microsoft JhengHei" pitchFamily="34" charset="-120"/>
               </a:rPr>
               <a:t>袮</a:t>
             </a:r>
-            <a:r>
-              <a:rPr lang="zh-TW" altLang="en-US" sz="4400" b="1" dirty="0" smtClean="0">
-                <a:solidFill>
-                  <a:srgbClr val="002060"/>
-                </a:solidFill>
-                <a:latin typeface="微軟正黑體" pitchFamily="34" charset="-120"/>
-                <a:ea typeface="微軟正黑體" pitchFamily="34" charset="-120"/>
-              </a:rPr>
-              <a:t>是</a:t>
-            </a:r>
-            <a:r>
-              <a:rPr lang="zh-TW" altLang="en-US" sz="4400" b="1" dirty="0">
-                <a:solidFill>
-                  <a:srgbClr val="002060"/>
-                </a:solidFill>
-                <a:latin typeface="微軟正黑體" pitchFamily="34" charset="-120"/>
-                <a:ea typeface="微軟正黑體" pitchFamily="34" charset="-120"/>
-              </a:rPr>
-              <a:t>我的</a:t>
-            </a:r>
-            <a:r>
-              <a:rPr lang="zh-TW" altLang="en-US" sz="4400" b="1" dirty="0" smtClean="0">
-                <a:solidFill>
-                  <a:srgbClr val="002060"/>
-                </a:solidFill>
-                <a:latin typeface="微軟正黑體" pitchFamily="34" charset="-120"/>
-                <a:ea typeface="微軟正黑體" pitchFamily="34" charset="-120"/>
-              </a:rPr>
-              <a:t>喜樂</a:t>
-            </a:r>
-            <a:endParaRPr lang="zh-TW" altLang="en-US" sz="4400" b="1" dirty="0">
+            <a:endParaRPr lang="zh-TW" altLang="en-US" sz="4400" b="1" dirty="0" smtClean="0">
               <a:solidFill>
-                <a:srgbClr val="002060"/>
+                <a:srgbClr val="660033"/>
               </a:solidFill>
-              <a:latin typeface="微軟正黑體" pitchFamily="34" charset="-120"/>
-              <a:ea typeface="微軟正黑體" pitchFamily="34" charset="-120"/>
+              <a:latin typeface="Microsoft JhengHei" pitchFamily="34" charset="-120"/>
+              <a:ea typeface="Microsoft JhengHei" pitchFamily="34" charset="-120"/>
+            </a:endParaRPr>
+          </a:p>
+          <a:p>
+            <a:endParaRPr lang="zh-TW" altLang="en-US" sz="4400" b="1" dirty="0" smtClean="0">
+              <a:solidFill>
+                <a:srgbClr val="660033"/>
+              </a:solidFill>
+              <a:latin typeface="Microsoft JhengHei" pitchFamily="34" charset="-120"/>
+              <a:ea typeface="Microsoft JhengHei" pitchFamily="34" charset="-120"/>
             </a:endParaRPr>
           </a:p>
         </p:txBody>
@@ -5635,6 +6219,13 @@
   <p:clrMapOvr>
     <a:masterClrMapping/>
   </p:clrMapOvr>
+  <p:timing>
+    <p:tnLst>
+      <p:par>
+        <p:cTn id="1" dur="indefinite" restart="never" nodeType="tmRoot"/>
+      </p:par>
+    </p:tnLst>
+  </p:timing>
 </p:sld>
 </file>
 
@@ -5667,9 +6258,7 @@
         </p:nvSpPr>
         <p:spPr/>
         <p:txBody>
-          <a:bodyPr>
-            <a:normAutofit/>
-          </a:bodyPr>
+          <a:bodyPr/>
           <a:lstStyle/>
           <a:p>
             <a:r>
@@ -5943,6 +6532,13 @@
   <p:clrMapOvr>
     <a:masterClrMapping/>
   </p:clrMapOvr>
+  <p:timing>
+    <p:tnLst>
+      <p:par>
+        <p:cTn id="1" dur="indefinite" restart="never" nodeType="tmRoot"/>
+      </p:par>
+    </p:tnLst>
+  </p:timing>
 </p:sld>
 </file>
 
@@ -6048,7 +6644,39 @@
                 <a:latin typeface="微軟正黑體" pitchFamily="34" charset="-120"/>
                 <a:ea typeface="微軟正黑體" pitchFamily="34" charset="-120"/>
               </a:rPr>
-              <a:t>一生</a:t>
+              <a:t>親愛的寶貴</a:t>
+            </a:r>
+            <a:r>
+              <a:rPr lang="zh-TW" altLang="en-US" sz="4400" b="1" dirty="0" smtClean="0">
+                <a:solidFill>
+                  <a:srgbClr val="002060"/>
+                </a:solidFill>
+                <a:latin typeface="微軟正黑體" pitchFamily="34" charset="-120"/>
+                <a:ea typeface="微軟正黑體" pitchFamily="34" charset="-120"/>
+              </a:rPr>
+              <a:t>耶穌</a:t>
+            </a:r>
+            <a:endParaRPr lang="en-US" altLang="zh-TW" sz="4400" b="1" dirty="0" smtClean="0">
+              <a:solidFill>
+                <a:srgbClr val="002060"/>
+              </a:solidFill>
+              <a:latin typeface="微軟正黑體" pitchFamily="34" charset="-120"/>
+              <a:ea typeface="微軟正黑體" pitchFamily="34" charset="-120"/>
+            </a:endParaRPr>
+          </a:p>
+          <a:p>
+            <a:pPr algn="ctr">
+              <a:buNone/>
+            </a:pPr>
+            <a:r>
+              <a:rPr lang="zh-CN" altLang="en-US" sz="4400" b="1" dirty="0" smtClean="0">
+                <a:solidFill>
+                  <a:srgbClr val="002060"/>
+                </a:solidFill>
+                <a:latin typeface="微軟正黑體" pitchFamily="34" charset="-120"/>
+                <a:ea typeface="微軟正黑體" pitchFamily="34" charset="-120"/>
+              </a:rPr>
+              <a:t>袮</a:t>
             </a:r>
             <a:r>
               <a:rPr lang="zh-TW" altLang="en-US" sz="4400" b="1" dirty="0" smtClean="0">
@@ -6061,26 +6689,6 @@
               <a:t>愛</a:t>
             </a:r>
             <a:r>
-              <a:rPr lang="zh-CN" altLang="en-US" sz="4400" b="1" dirty="0" smtClean="0">
-                <a:solidFill>
-                  <a:srgbClr val="002060"/>
-                </a:solidFill>
-                <a:latin typeface="微軟正黑體" pitchFamily="34" charset="-120"/>
-                <a:ea typeface="微軟正黑體" pitchFamily="34" charset="-120"/>
-              </a:rPr>
-              <a:t>袮  </a:t>
-            </a:r>
-            <a:r>
-              <a:rPr lang="zh-TW" altLang="en-US" sz="4400" b="1" dirty="0" smtClean="0">
-                <a:solidFill>
-                  <a:srgbClr val="002060"/>
-                </a:solidFill>
-                <a:latin typeface="微軟正黑體" pitchFamily="34" charset="-120"/>
-                <a:ea typeface="微軟正黑體" pitchFamily="34" charset="-120"/>
-              </a:rPr>
-              <a:t>一生</a:t>
-            </a:r>
-            <a:r>
               <a:rPr lang="zh-TW" altLang="en-US" sz="4400" b="1" dirty="0">
                 <a:solidFill>
                   <a:srgbClr val="002060"/>
@@ -6088,27 +6696,17 @@
                 <a:latin typeface="微軟正黑體" pitchFamily="34" charset="-120"/>
                 <a:ea typeface="微軟正黑體" pitchFamily="34" charset="-120"/>
               </a:rPr>
-              <a:t>敬</a:t>
-            </a:r>
-            <a:r>
-              <a:rPr lang="zh-TW" altLang="en-US" sz="4400" b="1" dirty="0" smtClean="0">
-                <a:solidFill>
-                  <a:srgbClr val="002060"/>
-                </a:solidFill>
-                <a:latin typeface="微軟正黑體" pitchFamily="34" charset="-120"/>
-                <a:ea typeface="微軟正黑體" pitchFamily="34" charset="-120"/>
-              </a:rPr>
-              <a:t>拜</a:t>
-            </a:r>
-            <a:r>
-              <a:rPr lang="zh-CN" altLang="en-US" sz="4400" b="1" dirty="0" smtClean="0">
-                <a:solidFill>
-                  <a:srgbClr val="002060"/>
-                </a:solidFill>
-                <a:latin typeface="微軟正黑體" pitchFamily="34" charset="-120"/>
-                <a:ea typeface="微軟正黑體" pitchFamily="34" charset="-120"/>
-              </a:rPr>
-              <a:t>袮</a:t>
+              <a:t>何等地</a:t>
+            </a:r>
+            <a:r>
+              <a:rPr lang="zh-TW" altLang="en-US" sz="4400" b="1" dirty="0" smtClean="0">
+                <a:solidFill>
+                  <a:srgbClr val="002060"/>
+                </a:solidFill>
+                <a:latin typeface="微軟正黑體" pitchFamily="34" charset="-120"/>
+                <a:ea typeface="微軟正黑體" pitchFamily="34" charset="-120"/>
+              </a:rPr>
+              <a:t>甘甜</a:t>
             </a:r>
             <a:endParaRPr lang="en-US" altLang="zh-TW" sz="4400" b="1" dirty="0">
               <a:solidFill>
@@ -6123,6 +6721,16 @@
               <a:buNone/>
             </a:pPr>
             <a:r>
+              <a:rPr lang="zh-TW" altLang="en-US" sz="4400" b="1" dirty="0" smtClean="0">
+                <a:solidFill>
+                  <a:srgbClr val="002060"/>
+                </a:solidFill>
+                <a:latin typeface="微軟正黑體" pitchFamily="34" charset="-120"/>
+                <a:ea typeface="微軟正黑體" pitchFamily="34" charset="-120"/>
+              </a:rPr>
+              <a:t>我</a:t>
+            </a:r>
+            <a:r>
               <a:rPr lang="zh-TW" altLang="en-US" sz="4400" b="1" dirty="0">
                 <a:solidFill>
                   <a:srgbClr val="002060"/>
@@ -6130,17 +6738,17 @@
                 <a:latin typeface="微軟正黑體" pitchFamily="34" charset="-120"/>
                 <a:ea typeface="微軟正黑體" pitchFamily="34" charset="-120"/>
               </a:rPr>
-              <a:t>一生</a:t>
-            </a:r>
-            <a:r>
-              <a:rPr lang="zh-TW" altLang="en-US" sz="4400" b="1" dirty="0" smtClean="0">
-                <a:solidFill>
-                  <a:srgbClr val="002060"/>
-                </a:solidFill>
-                <a:latin typeface="微軟正黑體" pitchFamily="34" charset="-120"/>
-                <a:ea typeface="微軟正黑體" pitchFamily="34" charset="-120"/>
-              </a:rPr>
-              <a:t>愛</a:t>
+              <a:t>的心深深</a:t>
+            </a:r>
+            <a:r>
+              <a:rPr lang="zh-TW" altLang="en-US" sz="4400" b="1" dirty="0" smtClean="0">
+                <a:solidFill>
+                  <a:srgbClr val="002060"/>
+                </a:solidFill>
+                <a:latin typeface="微軟正黑體" pitchFamily="34" charset="-120"/>
+                <a:ea typeface="微軟正黑體" pitchFamily="34" charset="-120"/>
+              </a:rPr>
+              <a:t>被</a:t>
             </a:r>
             <a:r>
               <a:rPr lang="zh-CN" altLang="en-US" sz="4400" b="1" dirty="0" smtClean="0">
@@ -6150,29 +6758,19 @@
                 <a:latin typeface="微軟正黑體" pitchFamily="34" charset="-120"/>
                 <a:ea typeface="微軟正黑體" pitchFamily="34" charset="-120"/>
               </a:rPr>
-              <a:t>袮  </a:t>
-            </a:r>
-            <a:r>
-              <a:rPr lang="zh-TW" altLang="en-US" sz="4400" b="1" dirty="0" smtClean="0">
-                <a:solidFill>
-                  <a:srgbClr val="002060"/>
-                </a:solidFill>
-                <a:latin typeface="微軟正黑體" pitchFamily="34" charset="-120"/>
-                <a:ea typeface="微軟正黑體" pitchFamily="34" charset="-120"/>
-              </a:rPr>
-              <a:t>一生榮耀</a:t>
-            </a:r>
-            <a:r>
-              <a:rPr lang="zh-CN" altLang="en-US" sz="4400" b="1" dirty="0" smtClean="0">
-                <a:solidFill>
-                  <a:srgbClr val="002060"/>
-                </a:solidFill>
-                <a:latin typeface="微軟正黑體" pitchFamily="34" charset="-120"/>
-                <a:ea typeface="微軟正黑體" pitchFamily="34" charset="-120"/>
-              </a:rPr>
               <a:t>袮</a:t>
             </a:r>
-            <a:endParaRPr lang="en-US" altLang="zh-TW" sz="4400" b="1" dirty="0">
+            <a:r>
+              <a:rPr lang="zh-TW" altLang="en-US" sz="4400" b="1" dirty="0" smtClean="0">
+                <a:solidFill>
+                  <a:srgbClr val="002060"/>
+                </a:solidFill>
+                <a:latin typeface="微軟正黑體" pitchFamily="34" charset="-120"/>
+                <a:ea typeface="微軟正黑體" pitchFamily="34" charset="-120"/>
+              </a:rPr>
+              <a:t>吸引</a:t>
+            </a:r>
+            <a:endParaRPr lang="en-US" altLang="zh-TW" sz="4400" b="1" dirty="0" smtClean="0">
               <a:solidFill>
                 <a:srgbClr val="002060"/>
               </a:solidFill>
@@ -6185,6 +6783,36 @@
               <a:buNone/>
             </a:pPr>
             <a:r>
+              <a:rPr lang="zh-TW" altLang="en-US" sz="4400" b="1" dirty="0" smtClean="0">
+                <a:solidFill>
+                  <a:srgbClr val="002060"/>
+                </a:solidFill>
+                <a:latin typeface="微軟正黑體" pitchFamily="34" charset="-120"/>
+                <a:ea typeface="微軟正黑體" pitchFamily="34" charset="-120"/>
+              </a:rPr>
+              <a:t>愛</a:t>
+            </a:r>
+            <a:r>
+              <a:rPr lang="zh-CN" altLang="en-US" sz="4400" b="1" dirty="0" smtClean="0">
+                <a:solidFill>
+                  <a:srgbClr val="002060"/>
+                </a:solidFill>
+                <a:latin typeface="微軟正黑體" pitchFamily="34" charset="-120"/>
+                <a:ea typeface="微軟正黑體" pitchFamily="34" charset="-120"/>
+              </a:rPr>
+              <a:t>袮</a:t>
+            </a:r>
+            <a:r>
+              <a:rPr lang="zh-TW" altLang="en-US" sz="4400" b="1" dirty="0" smtClean="0">
+                <a:solidFill>
+                  <a:srgbClr val="002060"/>
+                </a:solidFill>
+                <a:latin typeface="微軟正黑體" pitchFamily="34" charset="-120"/>
+                <a:ea typeface="微軟正黑體" pitchFamily="34" charset="-120"/>
+              </a:rPr>
+              <a:t>是</a:t>
+            </a:r>
+            <a:r>
               <a:rPr lang="zh-TW" altLang="en-US" sz="4400" b="1" dirty="0">
                 <a:solidFill>
                   <a:srgbClr val="002060"/>
@@ -6192,69 +6820,17 @@
                 <a:latin typeface="微軟正黑體" pitchFamily="34" charset="-120"/>
                 <a:ea typeface="微軟正黑體" pitchFamily="34" charset="-120"/>
               </a:rPr>
-              <a:t>一生奉獻   一生不回頭</a:t>
-            </a:r>
-            <a:endParaRPr lang="en-US" altLang="zh-TW" sz="4400" b="1" dirty="0">
-              <a:solidFill>
-                <a:srgbClr val="002060"/>
-              </a:solidFill>
-              <a:latin typeface="微軟正黑體" pitchFamily="34" charset="-120"/>
-              <a:ea typeface="微軟正黑體" pitchFamily="34" charset="-120"/>
-            </a:endParaRPr>
-          </a:p>
-          <a:p>
-            <a:pPr algn="ctr">
-              <a:buNone/>
-            </a:pPr>
-            <a:r>
-              <a:rPr lang="zh-TW" altLang="en-US" sz="4400" b="1" dirty="0">
-                <a:solidFill>
-                  <a:srgbClr val="002060"/>
-                </a:solidFill>
-                <a:latin typeface="微軟正黑體" pitchFamily="34" charset="-120"/>
-                <a:ea typeface="微軟正黑體" pitchFamily="34" charset="-120"/>
-              </a:rPr>
-              <a:t>一生</a:t>
-            </a:r>
-            <a:r>
-              <a:rPr lang="zh-TW" altLang="en-US" sz="4400" b="1" dirty="0" smtClean="0">
-                <a:solidFill>
-                  <a:srgbClr val="002060"/>
-                </a:solidFill>
-                <a:latin typeface="微軟正黑體" pitchFamily="34" charset="-120"/>
-                <a:ea typeface="微軟正黑體" pitchFamily="34" charset="-120"/>
-              </a:rPr>
-              <a:t>愛</a:t>
-            </a:r>
-            <a:r>
-              <a:rPr lang="zh-CN" altLang="en-US" sz="4400" b="1" dirty="0" smtClean="0">
-                <a:solidFill>
-                  <a:srgbClr val="002060"/>
-                </a:solidFill>
-                <a:latin typeface="微軟正黑體" pitchFamily="34" charset="-120"/>
-                <a:ea typeface="微軟正黑體" pitchFamily="34" charset="-120"/>
-              </a:rPr>
-              <a:t>袮  </a:t>
-            </a:r>
-            <a:r>
-              <a:rPr lang="zh-TW" altLang="en-US" sz="4400" b="1" dirty="0" smtClean="0">
-                <a:solidFill>
-                  <a:srgbClr val="002060"/>
-                </a:solidFill>
-                <a:latin typeface="微軟正黑體" pitchFamily="34" charset="-120"/>
-                <a:ea typeface="微軟正黑體" pitchFamily="34" charset="-120"/>
-              </a:rPr>
-              <a:t>跟隨</a:t>
-            </a:r>
-            <a:r>
-              <a:rPr lang="zh-CN" altLang="en-US" sz="4400" b="1" dirty="0" smtClean="0">
-                <a:solidFill>
-                  <a:srgbClr val="002060"/>
-                </a:solidFill>
-                <a:latin typeface="微軟正黑體" pitchFamily="34" charset="-120"/>
-                <a:ea typeface="微軟正黑體" pitchFamily="34" charset="-120"/>
-              </a:rPr>
-              <a:t>袮</a:t>
+              <a:t>我的</a:t>
+            </a:r>
+            <a:r>
+              <a:rPr lang="zh-TW" altLang="en-US" sz="4400" b="1" dirty="0" smtClean="0">
+                <a:solidFill>
+                  <a:srgbClr val="002060"/>
+                </a:solidFill>
+                <a:latin typeface="微軟正黑體" pitchFamily="34" charset="-120"/>
+                <a:ea typeface="微軟正黑體" pitchFamily="34" charset="-120"/>
+              </a:rPr>
+              <a:t>喜樂</a:t>
             </a:r>
             <a:endParaRPr lang="zh-TW" altLang="en-US" sz="4400" b="1" dirty="0">
               <a:solidFill>
@@ -6271,6 +6847,13 @@
   <p:clrMapOvr>
     <a:masterClrMapping/>
   </p:clrMapOvr>
+  <p:timing>
+    <p:tnLst>
+      <p:par>
+        <p:cTn id="1" dur="indefinite" restart="never" nodeType="tmRoot"/>
+      </p:par>
+    </p:tnLst>
+  </p:timing>
 </p:sld>
 </file>
 
@@ -6376,30 +6959,18 @@
                 <a:latin typeface="微軟正黑體" pitchFamily="34" charset="-120"/>
                 <a:ea typeface="微軟正黑體" pitchFamily="34" charset="-120"/>
               </a:rPr>
-              <a:t>親愛的寶貴</a:t>
-            </a:r>
-            <a:r>
-              <a:rPr lang="zh-TW" altLang="en-US" sz="4400" b="1" dirty="0" smtClean="0">
-                <a:solidFill>
-                  <a:srgbClr val="002060"/>
-                </a:solidFill>
-                <a:latin typeface="微軟正黑體" pitchFamily="34" charset="-120"/>
-                <a:ea typeface="微軟正黑體" pitchFamily="34" charset="-120"/>
-              </a:rPr>
-              <a:t>耶穌</a:t>
-            </a:r>
-            <a:endParaRPr lang="en-US" altLang="zh-TW" sz="4400" b="1" dirty="0" smtClean="0">
-              <a:solidFill>
-                <a:srgbClr val="002060"/>
-              </a:solidFill>
-              <a:latin typeface="微軟正黑體" pitchFamily="34" charset="-120"/>
-              <a:ea typeface="微軟正黑體" pitchFamily="34" charset="-120"/>
-            </a:endParaRPr>
-          </a:p>
-          <a:p>
-            <a:pPr algn="ctr">
-              <a:buNone/>
-            </a:pPr>
+              <a:t>一生</a:t>
+            </a:r>
+            <a:r>
+              <a:rPr lang="zh-TW" altLang="en-US" sz="4400" b="1" dirty="0" smtClean="0">
+                <a:solidFill>
+                  <a:srgbClr val="002060"/>
+                </a:solidFill>
+                <a:latin typeface="微軟正黑體" pitchFamily="34" charset="-120"/>
+                <a:ea typeface="微軟正黑體" pitchFamily="34" charset="-120"/>
+              </a:rPr>
+              <a:t>愛</a:t>
+            </a:r>
             <a:r>
               <a:rPr lang="zh-CN" altLang="en-US" sz="4400" b="1" dirty="0" smtClean="0">
                 <a:solidFill>
@@ -6408,37 +6979,47 @@
                 <a:latin typeface="微軟正黑體" pitchFamily="34" charset="-120"/>
                 <a:ea typeface="微軟正黑體" pitchFamily="34" charset="-120"/>
               </a:rPr>
+              <a:t>袮  </a:t>
+            </a:r>
+            <a:r>
+              <a:rPr lang="zh-TW" altLang="en-US" sz="4400" b="1" dirty="0" smtClean="0">
+                <a:solidFill>
+                  <a:srgbClr val="002060"/>
+                </a:solidFill>
+                <a:latin typeface="微軟正黑體" pitchFamily="34" charset="-120"/>
+                <a:ea typeface="微軟正黑體" pitchFamily="34" charset="-120"/>
+              </a:rPr>
+              <a:t>一生</a:t>
+            </a:r>
+            <a:r>
+              <a:rPr lang="zh-TW" altLang="en-US" sz="4400" b="1" dirty="0">
+                <a:solidFill>
+                  <a:srgbClr val="002060"/>
+                </a:solidFill>
+                <a:latin typeface="微軟正黑體" pitchFamily="34" charset="-120"/>
+                <a:ea typeface="微軟正黑體" pitchFamily="34" charset="-120"/>
+              </a:rPr>
+              <a:t>敬</a:t>
+            </a:r>
+            <a:r>
+              <a:rPr lang="zh-TW" altLang="en-US" sz="4400" b="1" dirty="0" smtClean="0">
+                <a:solidFill>
+                  <a:srgbClr val="002060"/>
+                </a:solidFill>
+                <a:latin typeface="微軟正黑體" pitchFamily="34" charset="-120"/>
+                <a:ea typeface="微軟正黑體" pitchFamily="34" charset="-120"/>
+              </a:rPr>
+              <a:t>拜</a:t>
+            </a:r>
+            <a:r>
+              <a:rPr lang="zh-CN" altLang="en-US" sz="4400" b="1" dirty="0" smtClean="0">
+                <a:solidFill>
+                  <a:srgbClr val="002060"/>
+                </a:solidFill>
+                <a:latin typeface="微軟正黑體" pitchFamily="34" charset="-120"/>
+                <a:ea typeface="微軟正黑體" pitchFamily="34" charset="-120"/>
+              </a:rPr>
               <a:t>袮</a:t>
-            </a:r>
-            <a:r>
-              <a:rPr lang="zh-TW" altLang="en-US" sz="4400" b="1" dirty="0" smtClean="0">
-                <a:solidFill>
-                  <a:srgbClr val="002060"/>
-                </a:solidFill>
-                <a:latin typeface="微軟正黑體" pitchFamily="34" charset="-120"/>
-                <a:ea typeface="微軟正黑體" pitchFamily="34" charset="-120"/>
-              </a:rPr>
-              <a:t>愛</a:t>
-            </a:r>
-            <a:r>
-              <a:rPr lang="zh-TW" altLang="en-US" sz="4400" b="1" dirty="0">
-                <a:solidFill>
-                  <a:srgbClr val="002060"/>
-                </a:solidFill>
-                <a:latin typeface="微軟正黑體" pitchFamily="34" charset="-120"/>
-                <a:ea typeface="微軟正黑體" pitchFamily="34" charset="-120"/>
-              </a:rPr>
-              <a:t>何等地</a:t>
-            </a:r>
-            <a:r>
-              <a:rPr lang="zh-TW" altLang="en-US" sz="4400" b="1" dirty="0" smtClean="0">
-                <a:solidFill>
-                  <a:srgbClr val="002060"/>
-                </a:solidFill>
-                <a:latin typeface="微軟正黑體" pitchFamily="34" charset="-120"/>
-                <a:ea typeface="微軟正黑體" pitchFamily="34" charset="-120"/>
-              </a:rPr>
-              <a:t>甘甜</a:t>
             </a:r>
             <a:endParaRPr lang="en-US" altLang="zh-TW" sz="4400" b="1" dirty="0">
               <a:solidFill>
@@ -6453,16 +7034,6 @@
               <a:buNone/>
             </a:pPr>
             <a:r>
-              <a:rPr lang="zh-TW" altLang="en-US" sz="4400" b="1" dirty="0" smtClean="0">
-                <a:solidFill>
-                  <a:srgbClr val="002060"/>
-                </a:solidFill>
-                <a:latin typeface="微軟正黑體" pitchFamily="34" charset="-120"/>
-                <a:ea typeface="微軟正黑體" pitchFamily="34" charset="-120"/>
-              </a:rPr>
-              <a:t>我</a:t>
-            </a:r>
-            <a:r>
               <a:rPr lang="zh-TW" altLang="en-US" sz="4400" b="1" dirty="0">
                 <a:solidFill>
                   <a:srgbClr val="002060"/>
@@ -6470,17 +7041,17 @@
                 <a:latin typeface="微軟正黑體" pitchFamily="34" charset="-120"/>
                 <a:ea typeface="微軟正黑體" pitchFamily="34" charset="-120"/>
               </a:rPr>
-              <a:t>的心深深</a:t>
-            </a:r>
-            <a:r>
-              <a:rPr lang="zh-TW" altLang="en-US" sz="4400" b="1" dirty="0" smtClean="0">
-                <a:solidFill>
-                  <a:srgbClr val="002060"/>
-                </a:solidFill>
-                <a:latin typeface="微軟正黑體" pitchFamily="34" charset="-120"/>
-                <a:ea typeface="微軟正黑體" pitchFamily="34" charset="-120"/>
-              </a:rPr>
-              <a:t>被</a:t>
+              <a:t>一生</a:t>
+            </a:r>
+            <a:r>
+              <a:rPr lang="zh-TW" altLang="en-US" sz="4400" b="1" dirty="0" smtClean="0">
+                <a:solidFill>
+                  <a:srgbClr val="002060"/>
+                </a:solidFill>
+                <a:latin typeface="微軟正黑體" pitchFamily="34" charset="-120"/>
+                <a:ea typeface="微軟正黑體" pitchFamily="34" charset="-120"/>
+              </a:rPr>
+              <a:t>愛</a:t>
             </a:r>
             <a:r>
               <a:rPr lang="zh-CN" altLang="en-US" sz="4400" b="1" dirty="0" smtClean="0">
@@ -6490,19 +7061,29 @@
                 <a:latin typeface="微軟正黑體" pitchFamily="34" charset="-120"/>
                 <a:ea typeface="微軟正黑體" pitchFamily="34" charset="-120"/>
               </a:rPr>
+              <a:t>袮  </a:t>
+            </a:r>
+            <a:r>
+              <a:rPr lang="zh-TW" altLang="en-US" sz="4400" b="1" dirty="0" smtClean="0">
+                <a:solidFill>
+                  <a:srgbClr val="002060"/>
+                </a:solidFill>
+                <a:latin typeface="微軟正黑體" pitchFamily="34" charset="-120"/>
+                <a:ea typeface="微軟正黑體" pitchFamily="34" charset="-120"/>
+              </a:rPr>
+              <a:t>一生榮耀</a:t>
+            </a:r>
+            <a:r>
+              <a:rPr lang="zh-CN" altLang="en-US" sz="4400" b="1" dirty="0" smtClean="0">
+                <a:solidFill>
+                  <a:srgbClr val="002060"/>
+                </a:solidFill>
+                <a:latin typeface="微軟正黑體" pitchFamily="34" charset="-120"/>
+                <a:ea typeface="微軟正黑體" pitchFamily="34" charset="-120"/>
+              </a:rPr>
               <a:t>袮</a:t>
             </a:r>
-            <a:r>
-              <a:rPr lang="zh-TW" altLang="en-US" sz="4400" b="1" dirty="0" smtClean="0">
-                <a:solidFill>
-                  <a:srgbClr val="002060"/>
-                </a:solidFill>
-                <a:latin typeface="微軟正黑體" pitchFamily="34" charset="-120"/>
-                <a:ea typeface="微軟正黑體" pitchFamily="34" charset="-120"/>
-              </a:rPr>
-              <a:t>吸引</a:t>
-            </a:r>
-            <a:endParaRPr lang="en-US" altLang="zh-TW" sz="4400" b="1" dirty="0" smtClean="0">
+            <a:endParaRPr lang="en-US" altLang="zh-TW" sz="4400" b="1" dirty="0">
               <a:solidFill>
                 <a:srgbClr val="002060"/>
               </a:solidFill>
@@ -6515,6 +7096,38 @@
               <a:buNone/>
             </a:pPr>
             <a:r>
+              <a:rPr lang="zh-TW" altLang="en-US" sz="4400" b="1" dirty="0">
+                <a:solidFill>
+                  <a:srgbClr val="002060"/>
+                </a:solidFill>
+                <a:latin typeface="微軟正黑體" pitchFamily="34" charset="-120"/>
+                <a:ea typeface="微軟正黑體" pitchFamily="34" charset="-120"/>
+              </a:rPr>
+              <a:t>一生奉獻   一生不回頭</a:t>
+            </a:r>
+            <a:endParaRPr lang="en-US" altLang="zh-TW" sz="4400" b="1" dirty="0">
+              <a:solidFill>
+                <a:srgbClr val="002060"/>
+              </a:solidFill>
+              <a:latin typeface="微軟正黑體" pitchFamily="34" charset="-120"/>
+              <a:ea typeface="微軟正黑體" pitchFamily="34" charset="-120"/>
+            </a:endParaRPr>
+          </a:p>
+          <a:p>
+            <a:pPr algn="ctr">
+              <a:buNone/>
+            </a:pPr>
+            <a:r>
+              <a:rPr lang="zh-TW" altLang="en-US" sz="4400" b="1" dirty="0">
+                <a:solidFill>
+                  <a:srgbClr val="002060"/>
+                </a:solidFill>
+                <a:latin typeface="微軟正黑體" pitchFamily="34" charset="-120"/>
+                <a:ea typeface="微軟正黑體" pitchFamily="34" charset="-120"/>
+              </a:rPr>
+              <a:t>一生</a:t>
+            </a:r>
+            <a:r>
               <a:rPr lang="zh-TW" altLang="en-US" sz="4400" b="1" dirty="0" smtClean="0">
                 <a:solidFill>
                   <a:srgbClr val="002060"/>
@@ -6532,37 +7145,27 @@
                 <a:latin typeface="微軟正黑體" pitchFamily="34" charset="-120"/>
                 <a:ea typeface="微軟正黑體" pitchFamily="34" charset="-120"/>
               </a:rPr>
+              <a:t>袮  </a:t>
+            </a:r>
+            <a:r>
+              <a:rPr lang="zh-TW" altLang="en-US" sz="4400" b="1" dirty="0" smtClean="0">
+                <a:solidFill>
+                  <a:srgbClr val="002060"/>
+                </a:solidFill>
+                <a:latin typeface="微軟正黑體" pitchFamily="34" charset="-120"/>
+                <a:ea typeface="微軟正黑體" pitchFamily="34" charset="-120"/>
+              </a:rPr>
+              <a:t>跟隨</a:t>
+            </a:r>
+            <a:r>
+              <a:rPr lang="zh-CN" altLang="en-US" sz="4400" b="1" dirty="0" smtClean="0">
+                <a:solidFill>
+                  <a:srgbClr val="002060"/>
+                </a:solidFill>
+                <a:latin typeface="微軟正黑體" pitchFamily="34" charset="-120"/>
+                <a:ea typeface="微軟正黑體" pitchFamily="34" charset="-120"/>
+              </a:rPr>
               <a:t>袮</a:t>
-            </a:r>
-            <a:r>
-              <a:rPr lang="zh-TW" altLang="en-US" sz="4400" b="1" dirty="0" smtClean="0">
-                <a:solidFill>
-                  <a:srgbClr val="002060"/>
-                </a:solidFill>
-                <a:latin typeface="微軟正黑體" pitchFamily="34" charset="-120"/>
-                <a:ea typeface="微軟正黑體" pitchFamily="34" charset="-120"/>
-              </a:rPr>
-              <a:t>是</a:t>
-            </a:r>
-            <a:r>
-              <a:rPr lang="zh-TW" altLang="en-US" sz="4400" b="1" dirty="0">
-                <a:solidFill>
-                  <a:srgbClr val="002060"/>
-                </a:solidFill>
-                <a:latin typeface="微軟正黑體" pitchFamily="34" charset="-120"/>
-                <a:ea typeface="微軟正黑體" pitchFamily="34" charset="-120"/>
-              </a:rPr>
-              <a:t>我的</a:t>
-            </a:r>
-            <a:r>
-              <a:rPr lang="zh-TW" altLang="en-US" sz="4400" b="1" dirty="0" smtClean="0">
-                <a:solidFill>
-                  <a:srgbClr val="002060"/>
-                </a:solidFill>
-                <a:latin typeface="微軟正黑體" pitchFamily="34" charset="-120"/>
-                <a:ea typeface="微軟正黑體" pitchFamily="34" charset="-120"/>
-              </a:rPr>
-              <a:t>喜樂</a:t>
             </a:r>
             <a:endParaRPr lang="zh-TW" altLang="en-US" sz="4400" b="1" dirty="0">
               <a:solidFill>
@@ -6579,6 +7182,13 @@
   <p:clrMapOvr>
     <a:masterClrMapping/>
   </p:clrMapOvr>
+  <p:timing>
+    <p:tnLst>
+      <p:par>
+        <p:cTn id="1" dur="indefinite" restart="never" nodeType="tmRoot"/>
+      </p:par>
+    </p:tnLst>
+  </p:timing>
 </p:sld>
 </file>
 
